--- a/sip/sidang.pptx
+++ b/sip/sidang.pptx
@@ -5,20 +5,15 @@
     <p:sldMasterId id="2147483672" r:id="rId1"/>
   </p:sldMasterIdLst>
   <p:notesMasterIdLst>
-    <p:notesMasterId r:id="rId13"/>
+    <p:notesMasterId r:id="rId8"/>
   </p:notesMasterIdLst>
   <p:sldIdLst>
     <p:sldId id="258" r:id="rId2"/>
     <p:sldId id="257" r:id="rId3"/>
     <p:sldId id="265" r:id="rId4"/>
     <p:sldId id="264" r:id="rId5"/>
-    <p:sldId id="260" r:id="rId6"/>
-    <p:sldId id="259" r:id="rId7"/>
-    <p:sldId id="261" r:id="rId8"/>
-    <p:sldId id="269" r:id="rId9"/>
-    <p:sldId id="266" r:id="rId10"/>
-    <p:sldId id="268" r:id="rId11"/>
-    <p:sldId id="267" r:id="rId12"/>
+    <p:sldId id="266" r:id="rId6"/>
+    <p:sldId id="267" r:id="rId7"/>
   </p:sldIdLst>
   <p:sldSz cx="9144000" cy="5143500" type="screen16x9"/>
   <p:notesSz cx="6858000" cy="9144000"/>
@@ -202,7 +197,8 @@
           <a:p>
             <a:fld id="{E1D6A21A-8FE8-4478-A732-0CCEEC5090C0}" type="datetimeFigureOut">
               <a:rPr lang="en-US" smtClean="0"/>
-              <a:t>11/4/2022</a:t>
+              <a:pPr/>
+              <a:t>11/8/2022</a:t>
             </a:fld>
             <a:endParaRPr lang="en-US"/>
           </a:p>
@@ -363,6 +359,7 @@
           <a:p>
             <a:fld id="{2D1B5D7A-2A3E-4613-B88B-2157AE8808DB}" type="slidenum">
               <a:rPr lang="en-US" smtClean="0"/>
+              <a:pPr/>
               <a:t>‹#›</a:t>
             </a:fld>
             <a:endParaRPr lang="en-US"/>
@@ -534,6 +531,7 @@
           <a:p>
             <a:fld id="{2D1B5D7A-2A3E-4613-B88B-2157AE8808DB}" type="slidenum">
               <a:rPr lang="en-US" smtClean="0"/>
+              <a:pPr/>
               <a:t>2</a:t>
             </a:fld>
             <a:endParaRPr lang="en-US"/>
@@ -615,6 +613,7 @@
           <a:p>
             <a:fld id="{2D1B5D7A-2A3E-4613-B88B-2157AE8808DB}" type="slidenum">
               <a:rPr lang="en-US" smtClean="0"/>
+              <a:pPr/>
               <a:t>3</a:t>
             </a:fld>
             <a:endParaRPr lang="en-US"/>
@@ -696,6 +695,7 @@
           <a:p>
             <a:fld id="{2D1B5D7A-2A3E-4613-B88B-2157AE8808DB}" type="slidenum">
               <a:rPr lang="en-US" smtClean="0"/>
+              <a:pPr/>
               <a:t>4</a:t>
             </a:fld>
             <a:endParaRPr lang="en-US"/>
@@ -891,7 +891,8 @@
           <a:p>
             <a:fld id="{0825F5ED-D95D-4146-9DA8-B10B6CDA91C0}" type="datetimeFigureOut">
               <a:rPr lang="en-US" smtClean="0"/>
-              <a:t>11/4/2022</a:t>
+              <a:pPr/>
+              <a:t>11/8/2022</a:t>
             </a:fld>
             <a:endParaRPr lang="en-US"/>
           </a:p>
@@ -933,6 +934,7 @@
           <a:p>
             <a:fld id="{ADFF2989-68BF-4369-BB64-4B5F78916276}" type="slidenum">
               <a:rPr lang="en-US" smtClean="0"/>
+              <a:pPr/>
               <a:t>‹#›</a:t>
             </a:fld>
             <a:endParaRPr lang="en-US"/>
@@ -1056,7 +1058,8 @@
           <a:p>
             <a:fld id="{0825F5ED-D95D-4146-9DA8-B10B6CDA91C0}" type="datetimeFigureOut">
               <a:rPr lang="en-US" smtClean="0"/>
-              <a:t>11/4/2022</a:t>
+              <a:pPr/>
+              <a:t>11/8/2022</a:t>
             </a:fld>
             <a:endParaRPr lang="en-US"/>
           </a:p>
@@ -1098,6 +1101,7 @@
           <a:p>
             <a:fld id="{ADFF2989-68BF-4369-BB64-4B5F78916276}" type="slidenum">
               <a:rPr lang="en-US" smtClean="0"/>
+              <a:pPr/>
               <a:t>‹#›</a:t>
             </a:fld>
             <a:endParaRPr lang="en-US"/>
@@ -1231,7 +1235,8 @@
           <a:p>
             <a:fld id="{0825F5ED-D95D-4146-9DA8-B10B6CDA91C0}" type="datetimeFigureOut">
               <a:rPr lang="en-US" smtClean="0"/>
-              <a:t>11/4/2022</a:t>
+              <a:pPr/>
+              <a:t>11/8/2022</a:t>
             </a:fld>
             <a:endParaRPr lang="en-US"/>
           </a:p>
@@ -1273,6 +1278,7 @@
           <a:p>
             <a:fld id="{ADFF2989-68BF-4369-BB64-4B5F78916276}" type="slidenum">
               <a:rPr lang="en-US" smtClean="0"/>
+              <a:pPr/>
               <a:t>‹#›</a:t>
             </a:fld>
             <a:endParaRPr lang="en-US"/>
@@ -1396,7 +1402,8 @@
           <a:p>
             <a:fld id="{0825F5ED-D95D-4146-9DA8-B10B6CDA91C0}" type="datetimeFigureOut">
               <a:rPr lang="en-US" smtClean="0"/>
-              <a:t>11/4/2022</a:t>
+              <a:pPr/>
+              <a:t>11/8/2022</a:t>
             </a:fld>
             <a:endParaRPr lang="en-US"/>
           </a:p>
@@ -1438,6 +1445,7 @@
           <a:p>
             <a:fld id="{ADFF2989-68BF-4369-BB64-4B5F78916276}" type="slidenum">
               <a:rPr lang="en-US" smtClean="0"/>
+              <a:pPr/>
               <a:t>‹#›</a:t>
             </a:fld>
             <a:endParaRPr lang="en-US"/>
@@ -1637,7 +1645,8 @@
           <a:p>
             <a:fld id="{0825F5ED-D95D-4146-9DA8-B10B6CDA91C0}" type="datetimeFigureOut">
               <a:rPr lang="en-US" smtClean="0"/>
-              <a:t>11/4/2022</a:t>
+              <a:pPr/>
+              <a:t>11/8/2022</a:t>
             </a:fld>
             <a:endParaRPr lang="en-US"/>
           </a:p>
@@ -1679,6 +1688,7 @@
           <a:p>
             <a:fld id="{ADFF2989-68BF-4369-BB64-4B5F78916276}" type="slidenum">
               <a:rPr lang="en-US" smtClean="0"/>
+              <a:pPr/>
               <a:t>‹#›</a:t>
             </a:fld>
             <a:endParaRPr lang="en-US"/>
@@ -1920,7 +1930,8 @@
           <a:p>
             <a:fld id="{0825F5ED-D95D-4146-9DA8-B10B6CDA91C0}" type="datetimeFigureOut">
               <a:rPr lang="en-US" smtClean="0"/>
-              <a:t>11/4/2022</a:t>
+              <a:pPr/>
+              <a:t>11/8/2022</a:t>
             </a:fld>
             <a:endParaRPr lang="en-US"/>
           </a:p>
@@ -1962,6 +1973,7 @@
           <a:p>
             <a:fld id="{ADFF2989-68BF-4369-BB64-4B5F78916276}" type="slidenum">
               <a:rPr lang="en-US" smtClean="0"/>
+              <a:pPr/>
               <a:t>‹#›</a:t>
             </a:fld>
             <a:endParaRPr lang="en-US"/>
@@ -2342,7 +2354,8 @@
           <a:p>
             <a:fld id="{0825F5ED-D95D-4146-9DA8-B10B6CDA91C0}" type="datetimeFigureOut">
               <a:rPr lang="en-US" smtClean="0"/>
-              <a:t>11/4/2022</a:t>
+              <a:pPr/>
+              <a:t>11/8/2022</a:t>
             </a:fld>
             <a:endParaRPr lang="en-US"/>
           </a:p>
@@ -2384,6 +2397,7 @@
           <a:p>
             <a:fld id="{ADFF2989-68BF-4369-BB64-4B5F78916276}" type="slidenum">
               <a:rPr lang="en-US" smtClean="0"/>
+              <a:pPr/>
               <a:t>‹#›</a:t>
             </a:fld>
             <a:endParaRPr lang="en-US"/>
@@ -2455,7 +2469,8 @@
           <a:p>
             <a:fld id="{0825F5ED-D95D-4146-9DA8-B10B6CDA91C0}" type="datetimeFigureOut">
               <a:rPr lang="en-US" smtClean="0"/>
-              <a:t>11/4/2022</a:t>
+              <a:pPr/>
+              <a:t>11/8/2022</a:t>
             </a:fld>
             <a:endParaRPr lang="en-US"/>
           </a:p>
@@ -2497,6 +2512,7 @@
           <a:p>
             <a:fld id="{ADFF2989-68BF-4369-BB64-4B5F78916276}" type="slidenum">
               <a:rPr lang="en-US" smtClean="0"/>
+              <a:pPr/>
               <a:t>‹#›</a:t>
             </a:fld>
             <a:endParaRPr lang="en-US"/>
@@ -2545,7 +2561,8 @@
           <a:p>
             <a:fld id="{0825F5ED-D95D-4146-9DA8-B10B6CDA91C0}" type="datetimeFigureOut">
               <a:rPr lang="en-US" smtClean="0"/>
-              <a:t>11/4/2022</a:t>
+              <a:pPr/>
+              <a:t>11/8/2022</a:t>
             </a:fld>
             <a:endParaRPr lang="en-US"/>
           </a:p>
@@ -2587,6 +2604,7 @@
           <a:p>
             <a:fld id="{ADFF2989-68BF-4369-BB64-4B5F78916276}" type="slidenum">
               <a:rPr lang="en-US" smtClean="0"/>
+              <a:pPr/>
               <a:t>‹#›</a:t>
             </a:fld>
             <a:endParaRPr lang="en-US"/>
@@ -2817,7 +2835,8 @@
           <a:p>
             <a:fld id="{0825F5ED-D95D-4146-9DA8-B10B6CDA91C0}" type="datetimeFigureOut">
               <a:rPr lang="en-US" smtClean="0"/>
-              <a:t>11/4/2022</a:t>
+              <a:pPr/>
+              <a:t>11/8/2022</a:t>
             </a:fld>
             <a:endParaRPr lang="en-US"/>
           </a:p>
@@ -2859,6 +2878,7 @@
           <a:p>
             <a:fld id="{ADFF2989-68BF-4369-BB64-4B5F78916276}" type="slidenum">
               <a:rPr lang="en-US" smtClean="0"/>
+              <a:pPr/>
               <a:t>‹#›</a:t>
             </a:fld>
             <a:endParaRPr lang="en-US"/>
@@ -3065,7 +3085,8 @@
           <a:p>
             <a:fld id="{0825F5ED-D95D-4146-9DA8-B10B6CDA91C0}" type="datetimeFigureOut">
               <a:rPr lang="en-US" smtClean="0"/>
-              <a:t>11/4/2022</a:t>
+              <a:pPr/>
+              <a:t>11/8/2022</a:t>
             </a:fld>
             <a:endParaRPr lang="en-US"/>
           </a:p>
@@ -3107,6 +3128,7 @@
           <a:p>
             <a:fld id="{ADFF2989-68BF-4369-BB64-4B5F78916276}" type="slidenum">
               <a:rPr lang="en-US" smtClean="0"/>
+              <a:pPr/>
               <a:t>‹#›</a:t>
             </a:fld>
             <a:endParaRPr lang="en-US"/>
@@ -3125,19 +3147,9 @@
 <p:sldMaster xmlns:a="http://schemas.openxmlformats.org/drawingml/2006/main" xmlns:r="http://schemas.openxmlformats.org/officeDocument/2006/relationships" xmlns:p="http://schemas.openxmlformats.org/presentationml/2006/main">
   <p:cSld>
     <p:bg>
-      <p:bgPr>
-        <a:blipFill dpi="0" rotWithShape="1">
-          <a:blip r:embed="rId13">
-            <a:alphaModFix amt="50000"/>
-            <a:lum/>
-          </a:blip>
-          <a:srcRect/>
-          <a:stretch>
-            <a:fillRect/>
-          </a:stretch>
-        </a:blipFill>
-        <a:effectLst/>
-      </p:bgPr>
+      <p:bgRef idx="1001">
+        <a:schemeClr val="bg1"/>
+      </p:bgRef>
     </p:bg>
     <p:spTree>
       <p:nvGrpSpPr>
@@ -3283,7 +3295,8 @@
           <a:p>
             <a:fld id="{0825F5ED-D95D-4146-9DA8-B10B6CDA91C0}" type="datetimeFigureOut">
               <a:rPr lang="en-US" smtClean="0"/>
-              <a:t>11/4/2022</a:t>
+              <a:pPr/>
+              <a:t>11/8/2022</a:t>
             </a:fld>
             <a:endParaRPr lang="en-US"/>
           </a:p>
@@ -3361,6 +3374,7 @@
           <a:p>
             <a:fld id="{ADFF2989-68BF-4369-BB64-4B5F78916276}" type="slidenum">
               <a:rPr lang="en-US" smtClean="0"/>
+              <a:pPr/>
               <a:t>‹#›</a:t>
             </a:fld>
             <a:endParaRPr lang="en-US"/>
@@ -3679,10 +3693,37 @@
         </p:nvSpPr>
         <p:spPr>
           <a:xfrm>
-            <a:off x="500034" y="142876"/>
-            <a:ext cx="9144000" cy="1214428"/>
+            <a:off x="2071670" y="142858"/>
+            <a:ext cx="6286544" cy="1214428"/>
           </a:xfrm>
+          <a:prstGeom prst="roundRect">
+            <a:avLst/>
+          </a:prstGeom>
+          <a:solidFill>
+            <a:srgbClr val="462DA3">
+              <a:alpha val="52157"/>
+            </a:srgbClr>
+          </a:solidFill>
+          <a:ln w="12700">
+            <a:solidFill>
+              <a:srgbClr val="FFFF00"/>
+            </a:solidFill>
+          </a:ln>
         </p:spPr>
+        <p:style>
+          <a:lnRef idx="2">
+            <a:schemeClr val="accent2"/>
+          </a:lnRef>
+          <a:fillRef idx="1">
+            <a:schemeClr val="lt1"/>
+          </a:fillRef>
+          <a:effectRef idx="0">
+            <a:schemeClr val="accent2"/>
+          </a:effectRef>
+          <a:fontRef idx="minor">
+            <a:schemeClr val="dk1"/>
+          </a:fontRef>
+        </p:style>
         <p:txBody>
           <a:bodyPr>
             <a:noAutofit/>
@@ -3695,48 +3736,216 @@
               </a:spcBef>
             </a:pPr>
             <a:r>
-              <a:rPr lang="id-ID" sz="2000" b="1" dirty="0"/>
+              <a:rPr lang="id-ID" sz="2000" b="1" dirty="0">
+                <a:solidFill>
+                  <a:schemeClr val="tx1">
+                    <a:lumMod val="95000"/>
+                    <a:lumOff val="5000"/>
+                  </a:schemeClr>
+                </a:solidFill>
+                <a:effectLst>
+                  <a:glow rad="101600">
+                    <a:schemeClr val="bg1">
+                      <a:alpha val="60000"/>
+                    </a:schemeClr>
+                  </a:glow>
+                </a:effectLst>
+              </a:rPr>
               <a:t>SISTEM INFORMASI MANAJEMEN</a:t>
             </a:r>
             <a:r>
-              <a:rPr lang="en-US" sz="2000" b="1" dirty="0"/>
+              <a:rPr lang="en-US" sz="2000" b="1" dirty="0">
+                <a:solidFill>
+                  <a:schemeClr val="tx1">
+                    <a:lumMod val="95000"/>
+                    <a:lumOff val="5000"/>
+                  </a:schemeClr>
+                </a:solidFill>
+                <a:effectLst>
+                  <a:glow rad="101600">
+                    <a:schemeClr val="bg1">
+                      <a:alpha val="60000"/>
+                    </a:schemeClr>
+                  </a:glow>
+                </a:effectLst>
+              </a:rPr>
               <a:t> ARSIP </a:t>
             </a:r>
             <a:r>
-              <a:rPr lang="id-ID" sz="2000" b="1" dirty="0"/>
+              <a:rPr lang="id-ID" sz="2000" b="1" dirty="0">
+                <a:solidFill>
+                  <a:schemeClr val="tx1">
+                    <a:lumMod val="95000"/>
+                    <a:lumOff val="5000"/>
+                  </a:schemeClr>
+                </a:solidFill>
+                <a:effectLst>
+                  <a:glow rad="101600">
+                    <a:schemeClr val="bg1">
+                      <a:alpha val="60000"/>
+                    </a:schemeClr>
+                  </a:glow>
+                </a:effectLst>
+              </a:rPr>
               <a:t>SURAT</a:t>
             </a:r>
             <a:r>
-              <a:rPr lang="en-US" sz="2000" b="1" dirty="0"/>
+              <a:rPr lang="en-US" sz="2000" b="1" dirty="0">
+                <a:solidFill>
+                  <a:schemeClr val="tx1">
+                    <a:lumMod val="95000"/>
+                    <a:lumOff val="5000"/>
+                  </a:schemeClr>
+                </a:solidFill>
+                <a:effectLst>
+                  <a:glow rad="101600">
+                    <a:schemeClr val="bg1">
+                      <a:alpha val="60000"/>
+                    </a:schemeClr>
+                  </a:glow>
+                </a:effectLst>
+              </a:rPr>
               <a:t> (SIMAS)</a:t>
             </a:r>
             <a:br>
-              <a:rPr lang="en-US" sz="2000" b="1" dirty="0"/>
+              <a:rPr lang="en-US" sz="2000" b="1" dirty="0">
+                <a:solidFill>
+                  <a:schemeClr val="tx1">
+                    <a:lumMod val="95000"/>
+                    <a:lumOff val="5000"/>
+                  </a:schemeClr>
+                </a:solidFill>
+                <a:effectLst>
+                  <a:glow rad="101600">
+                    <a:schemeClr val="bg1">
+                      <a:alpha val="60000"/>
+                    </a:schemeClr>
+                  </a:glow>
+                </a:effectLst>
+              </a:rPr>
             </a:br>
             <a:r>
-              <a:rPr lang="id-ID" sz="2000" b="1" dirty="0"/>
+              <a:rPr lang="id-ID" sz="2000" b="1" dirty="0">
+                <a:solidFill>
+                  <a:schemeClr val="tx1">
+                    <a:lumMod val="95000"/>
+                    <a:lumOff val="5000"/>
+                  </a:schemeClr>
+                </a:solidFill>
+                <a:effectLst>
+                  <a:glow rad="101600">
+                    <a:schemeClr val="bg1">
+                      <a:alpha val="60000"/>
+                    </a:schemeClr>
+                  </a:glow>
+                </a:effectLst>
+              </a:rPr>
               <a:t>MENGGUNAKAN FRAMEWORK CODEIGNITER PADA</a:t>
             </a:r>
             <a:r>
-              <a:rPr lang="en-US" sz="2000" b="1" dirty="0"/>
+              <a:rPr lang="en-US" sz="2000" b="1" dirty="0">
+                <a:solidFill>
+                  <a:schemeClr val="tx1">
+                    <a:lumMod val="95000"/>
+                    <a:lumOff val="5000"/>
+                  </a:schemeClr>
+                </a:solidFill>
+                <a:effectLst>
+                  <a:glow rad="101600">
+                    <a:schemeClr val="bg1">
+                      <a:alpha val="60000"/>
+                    </a:schemeClr>
+                  </a:glow>
+                </a:effectLst>
+              </a:rPr>
               <a:t/>
             </a:r>
             <a:br>
-              <a:rPr lang="en-US" sz="2000" b="1" dirty="0"/>
+              <a:rPr lang="en-US" sz="2000" b="1" dirty="0">
+                <a:solidFill>
+                  <a:schemeClr val="tx1">
+                    <a:lumMod val="95000"/>
+                    <a:lumOff val="5000"/>
+                  </a:schemeClr>
+                </a:solidFill>
+                <a:effectLst>
+                  <a:glow rad="101600">
+                    <a:schemeClr val="bg1">
+                      <a:alpha val="60000"/>
+                    </a:schemeClr>
+                  </a:glow>
+                </a:effectLst>
+              </a:rPr>
             </a:br>
             <a:r>
-              <a:rPr lang="id-ID" sz="2000" b="1" dirty="0"/>
+              <a:rPr lang="id-ID" sz="2000" b="1" dirty="0">
+                <a:solidFill>
+                  <a:schemeClr val="tx1">
+                    <a:lumMod val="95000"/>
+                    <a:lumOff val="5000"/>
+                  </a:schemeClr>
+                </a:solidFill>
+                <a:effectLst>
+                  <a:glow rad="101600">
+                    <a:schemeClr val="bg1">
+                      <a:alpha val="60000"/>
+                    </a:schemeClr>
+                  </a:glow>
+                </a:effectLst>
+              </a:rPr>
               <a:t>BADAN</a:t>
             </a:r>
             <a:r>
-              <a:rPr lang="en-US" sz="2000" b="1" dirty="0"/>
+              <a:rPr lang="en-US" sz="2000" b="1" dirty="0">
+                <a:solidFill>
+                  <a:schemeClr val="tx1">
+                    <a:lumMod val="95000"/>
+                    <a:lumOff val="5000"/>
+                  </a:schemeClr>
+                </a:solidFill>
+                <a:effectLst>
+                  <a:glow rad="101600">
+                    <a:schemeClr val="bg1">
+                      <a:alpha val="60000"/>
+                    </a:schemeClr>
+                  </a:glow>
+                </a:effectLst>
+              </a:rPr>
               <a:t> </a:t>
             </a:r>
             <a:r>
-              <a:rPr lang="id-ID" sz="2000" b="1" dirty="0"/>
+              <a:rPr lang="id-ID" sz="2000" b="1" dirty="0">
+                <a:solidFill>
+                  <a:schemeClr val="tx1">
+                    <a:lumMod val="95000"/>
+                    <a:lumOff val="5000"/>
+                  </a:schemeClr>
+                </a:solidFill>
+                <a:effectLst>
+                  <a:glow rad="101600">
+                    <a:schemeClr val="bg1">
+                      <a:alpha val="60000"/>
+                    </a:schemeClr>
+                  </a:glow>
+                </a:effectLst>
+              </a:rPr>
               <a:t>PENDAPATAN DAERAH KABUPATEN TABALONG</a:t>
             </a:r>
-            <a:endParaRPr lang="en-US" sz="2000" b="1" dirty="0"/>
+            <a:endParaRPr lang="en-US" sz="2000" b="1" dirty="0">
+              <a:solidFill>
+                <a:schemeClr val="tx1">
+                  <a:lumMod val="95000"/>
+                  <a:lumOff val="5000"/>
+                </a:schemeClr>
+              </a:solidFill>
+              <a:effectLst>
+                <a:glow rad="101600">
+                  <a:schemeClr val="bg1">
+                    <a:alpha val="60000"/>
+                  </a:schemeClr>
+                </a:glow>
+              </a:effectLst>
+            </a:endParaRPr>
           </a:p>
         </p:txBody>
       </p:sp>
@@ -3847,7 +4056,15 @@
             <a:pPr lvl="0" algn="ctr"/>
             <a:r>
               <a:rPr lang="en-US" sz="1400" dirty="0"/>
-              <a:t>NIM : 1811102106062</a:t>
+              <a:t>NIM : </a:t>
+            </a:r>
+            <a:r>
+              <a:rPr lang="en-US" sz="1400" dirty="0">
+                <a:solidFill>
+                  <a:srgbClr val="FF0000"/>
+                </a:solidFill>
+              </a:rPr>
+              <a:t>1811102106062</a:t>
             </a:r>
           </a:p>
           <a:p>
@@ -3869,8 +4086,20 @@
             <a:pPr algn="ctr"/>
             <a:r>
               <a:rPr lang="en-US" sz="1400" dirty="0"/>
-              <a:t>UNIVERSITAS SARI MULIA BANJARMASIN</a:t>
-            </a:r>
+              <a:t>UNIVERSITAS SARI </a:t>
+            </a:r>
+            <a:r>
+              <a:rPr lang="en-US" sz="1400" dirty="0" smtClean="0"/>
+              <a:t>MULIA</a:t>
+            </a:r>
+          </a:p>
+          <a:p>
+            <a:pPr algn="ctr"/>
+            <a:r>
+              <a:rPr lang="en-US" sz="1400" dirty="0" smtClean="0"/>
+              <a:t>BANJARMASIN</a:t>
+            </a:r>
+            <a:endParaRPr lang="en-US" sz="1400" dirty="0"/>
           </a:p>
           <a:p>
             <a:pPr algn="ctr"/>
@@ -3886,188 +4115,6 @@
           <a:p>
             <a:pPr lvl="0" algn="ctr"/>
             <a:endParaRPr lang="en-US" sz="1400" dirty="0"/>
-          </a:p>
-        </p:txBody>
-      </p:sp>
-    </p:spTree>
-  </p:cSld>
-  <p:clrMapOvr>
-    <a:masterClrMapping/>
-  </p:clrMapOvr>
-  <p:timing>
-    <p:tnLst>
-      <p:par>
-        <p:cTn id="1" dur="indefinite" restart="never" nodeType="tmRoot"/>
-      </p:par>
-    </p:tnLst>
-  </p:timing>
-</p:sld>
-</file>
-
-<file path=ppt/slides/slide10.xml><?xml version="1.0" encoding="utf-8"?>
-<p:sld xmlns:a="http://schemas.openxmlformats.org/drawingml/2006/main" xmlns:r="http://schemas.openxmlformats.org/officeDocument/2006/relationships" xmlns:p="http://schemas.openxmlformats.org/presentationml/2006/main">
-  <p:cSld>
-    <p:spTree>
-      <p:nvGrpSpPr>
-        <p:cNvPr id="1" name=""/>
-        <p:cNvGrpSpPr/>
-        <p:nvPr/>
-      </p:nvGrpSpPr>
-      <p:grpSpPr>
-        <a:xfrm>
-          <a:off x="0" y="0"/>
-          <a:ext cx="0" cy="0"/>
-          <a:chOff x="0" y="0"/>
-          <a:chExt cx="0" cy="0"/>
-        </a:xfrm>
-      </p:grpSpPr>
-      <p:sp>
-        <p:nvSpPr>
-          <p:cNvPr id="2" name="Title 1"/>
-          <p:cNvSpPr>
-            <a:spLocks noGrp="1"/>
-          </p:cNvSpPr>
-          <p:nvPr>
-            <p:ph type="title"/>
-          </p:nvPr>
-        </p:nvSpPr>
-        <p:spPr/>
-        <p:txBody>
-          <a:bodyPr/>
-          <a:lstStyle/>
-          <a:p>
-            <a:r>
-              <a:rPr lang="en-US" dirty="0" err="1" smtClean="0"/>
-              <a:t>Mencari</a:t>
-            </a:r>
-            <a:r>
-              <a:rPr lang="en-US" dirty="0" smtClean="0"/>
-              <a:t> data </a:t>
-            </a:r>
-            <a:r>
-              <a:rPr lang="en-US" dirty="0" err="1" smtClean="0"/>
-              <a:t>Surat</a:t>
-            </a:r>
-            <a:r>
-              <a:rPr lang="en-US" dirty="0" smtClean="0"/>
-              <a:t> </a:t>
-            </a:r>
-            <a:r>
-              <a:rPr lang="en-US" dirty="0" err="1" smtClean="0"/>
-              <a:t>Keluar</a:t>
-            </a:r>
-            <a:endParaRPr lang="en-US" dirty="0"/>
-          </a:p>
-        </p:txBody>
-      </p:sp>
-      <p:sp>
-        <p:nvSpPr>
-          <p:cNvPr id="3" name="Content Placeholder 2"/>
-          <p:cNvSpPr>
-            <a:spLocks noGrp="1"/>
-          </p:cNvSpPr>
-          <p:nvPr>
-            <p:ph idx="1"/>
-          </p:nvPr>
-        </p:nvSpPr>
-        <p:spPr/>
-        <p:txBody>
-          <a:bodyPr/>
-          <a:lstStyle/>
-          <a:p>
-            <a:pPr lvl="1"/>
-            <a:endParaRPr lang="en-US" dirty="0"/>
-          </a:p>
-        </p:txBody>
-      </p:sp>
-    </p:spTree>
-  </p:cSld>
-  <p:clrMapOvr>
-    <a:masterClrMapping/>
-  </p:clrMapOvr>
-  <p:timing>
-    <p:tnLst>
-      <p:par>
-        <p:cTn id="1" dur="indefinite" restart="never" nodeType="tmRoot"/>
-      </p:par>
-    </p:tnLst>
-  </p:timing>
-</p:sld>
-</file>
-
-<file path=ppt/slides/slide11.xml><?xml version="1.0" encoding="utf-8"?>
-<p:sld xmlns:a="http://schemas.openxmlformats.org/drawingml/2006/main" xmlns:r="http://schemas.openxmlformats.org/officeDocument/2006/relationships" xmlns:p="http://schemas.openxmlformats.org/presentationml/2006/main">
-  <p:cSld>
-    <p:spTree>
-      <p:nvGrpSpPr>
-        <p:cNvPr id="1" name=""/>
-        <p:cNvGrpSpPr/>
-        <p:nvPr/>
-      </p:nvGrpSpPr>
-      <p:grpSpPr>
-        <a:xfrm>
-          <a:off x="0" y="0"/>
-          <a:ext cx="0" cy="0"/>
-          <a:chOff x="0" y="0"/>
-          <a:chExt cx="0" cy="0"/>
-        </a:xfrm>
-      </p:grpSpPr>
-      <p:sp>
-        <p:nvSpPr>
-          <p:cNvPr id="2" name="Title 1"/>
-          <p:cNvSpPr>
-            <a:spLocks noGrp="1"/>
-          </p:cNvSpPr>
-          <p:nvPr>
-            <p:ph type="title"/>
-          </p:nvPr>
-        </p:nvSpPr>
-        <p:spPr/>
-        <p:txBody>
-          <a:bodyPr/>
-          <a:lstStyle/>
-          <a:p>
-            <a:r>
-              <a:rPr lang="en-US" dirty="0" err="1" smtClean="0"/>
-              <a:t>Cetak</a:t>
-            </a:r>
-            <a:r>
-              <a:rPr lang="en-US" dirty="0" smtClean="0"/>
-              <a:t> </a:t>
-            </a:r>
-            <a:r>
-              <a:rPr lang="en-US" dirty="0" err="1" smtClean="0"/>
-              <a:t>lembar</a:t>
-            </a:r>
-            <a:r>
-              <a:rPr lang="en-US" dirty="0" smtClean="0"/>
-              <a:t> </a:t>
-            </a:r>
-            <a:r>
-              <a:rPr lang="en-US" dirty="0" err="1" smtClean="0"/>
-              <a:t>Disposisi</a:t>
-            </a:r>
-            <a:endParaRPr lang="en-US" dirty="0"/>
-          </a:p>
-        </p:txBody>
-      </p:sp>
-      <p:sp>
-        <p:nvSpPr>
-          <p:cNvPr id="3" name="Content Placeholder 2"/>
-          <p:cNvSpPr>
-            <a:spLocks noGrp="1"/>
-          </p:cNvSpPr>
-          <p:nvPr>
-            <p:ph idx="1"/>
-          </p:nvPr>
-        </p:nvSpPr>
-        <p:spPr/>
-        <p:txBody>
-          <a:bodyPr/>
-          <a:lstStyle/>
-          <a:p>
-            <a:pPr lvl="1"/>
-            <a:endParaRPr lang="en-US" dirty="0"/>
           </a:p>
         </p:txBody>
       </p:sp>
@@ -4113,9 +4160,16 @@
             <p:ph type="title"/>
           </p:nvPr>
         </p:nvSpPr>
-        <p:spPr/>
-        <p:txBody>
-          <a:bodyPr/>
+        <p:spPr>
+          <a:xfrm>
+            <a:off x="3714744" y="285734"/>
+            <a:ext cx="5000660" cy="857250"/>
+          </a:xfrm>
+        </p:spPr>
+        <p:txBody>
+          <a:bodyPr>
+            <a:normAutofit/>
+          </a:bodyPr>
           <a:lstStyle/>
           <a:p>
             <a:r>
@@ -4130,59 +4184,178 @@
               <a:rPr lang="en-US" dirty="0" err="1" smtClean="0"/>
               <a:t>Belakang</a:t>
             </a:r>
-            <a:r>
-              <a:rPr lang="en-US" dirty="0" smtClean="0"/>
-              <a:t> </a:t>
-            </a:r>
-            <a:r>
-              <a:rPr lang="en-US" dirty="0" err="1" smtClean="0"/>
-              <a:t>Masalah</a:t>
-            </a:r>
             <a:endParaRPr lang="en-US" dirty="0"/>
           </a:p>
         </p:txBody>
       </p:sp>
       <p:sp>
         <p:nvSpPr>
-          <p:cNvPr id="3" name="Content Placeholder 2"/>
-          <p:cNvSpPr>
-            <a:spLocks noGrp="1"/>
-          </p:cNvSpPr>
-          <p:nvPr>
-            <p:ph idx="1"/>
-          </p:nvPr>
-        </p:nvSpPr>
-        <p:spPr/>
-        <p:txBody>
-          <a:bodyPr>
-            <a:normAutofit lnSpcReduction="10000"/>
+          <p:cNvPr id="5" name="Content Placeholder 2"/>
+          <p:cNvSpPr txBox="1">
+            <a:spLocks/>
+          </p:cNvSpPr>
+          <p:nvPr/>
+        </p:nvSpPr>
+        <p:spPr>
+          <a:xfrm>
+            <a:off x="3500430" y="1428742"/>
+            <a:ext cx="5357850" cy="3143272"/>
+          </a:xfrm>
+          <a:prstGeom prst="rect">
+            <a:avLst/>
+          </a:prstGeom>
+        </p:spPr>
+        <p:txBody>
+          <a:bodyPr vert="horz" lIns="91440" tIns="45720" rIns="91440" bIns="45720" rtlCol="0">
+            <a:normAutofit fontScale="92500" lnSpcReduction="10000"/>
           </a:bodyPr>
           <a:lstStyle/>
           <a:p>
-            <a:r>
-              <a:rPr lang="id-ID" dirty="0" smtClean="0"/>
-              <a:t>Berdasarkan </a:t>
-            </a:r>
-            <a:r>
-              <a:rPr lang="id-ID" dirty="0"/>
-              <a:t>hasil observasi</a:t>
-            </a:r>
-            <a:r>
-              <a:rPr lang="en-US" dirty="0"/>
-              <a:t> </a:t>
-            </a:r>
-            <a:r>
-              <a:rPr lang="id-ID" dirty="0" smtClean="0"/>
-              <a:t>yang </a:t>
-            </a:r>
-            <a:r>
-              <a:rPr lang="id-ID" dirty="0"/>
-              <a:t>dilakukan pada Badan Pendapatan Daerah Kabupaten Tabalong, masih banyak kinerja tata usaha bagian pengarsipan kurang efisien karena masih menerapkan sistem pengarsipan yang konvensional yakni dengan cara ditulis dalam buku agenda. </a:t>
-            </a:r>
-            <a:endParaRPr lang="en-US" dirty="0"/>
-          </a:p>
-        </p:txBody>
-      </p:sp>
+            <a:pPr marL="342900" marR="0" lvl="0" indent="-342900" algn="l" defTabSz="914400" rtl="0" eaLnBrk="1" fontAlgn="auto" latinLnBrk="0" hangingPunct="1">
+              <a:lnSpc>
+                <a:spcPct val="100000"/>
+              </a:lnSpc>
+              <a:spcBef>
+                <a:spcPct val="20000"/>
+              </a:spcBef>
+              <a:spcAft>
+                <a:spcPts val="0"/>
+              </a:spcAft>
+              <a:buClrTx/>
+              <a:buSzTx/>
+              <a:buFont typeface="Arial" pitchFamily="34" charset="0"/>
+              <a:buChar char="•"/>
+              <a:tabLst/>
+              <a:defRPr/>
+            </a:pPr>
+            <a:r>
+              <a:rPr kumimoji="0" lang="id-ID" sz="2000" b="0" i="0" u="none" strike="noStrike" kern="1200" cap="none" spc="0" normalizeH="0" baseline="0" noProof="0" dirty="0" smtClean="0">
+                <a:ln>
+                  <a:noFill/>
+                </a:ln>
+                <a:solidFill>
+                  <a:schemeClr val="tx1"/>
+                </a:solidFill>
+                <a:effectLst/>
+                <a:uLnTx/>
+                <a:uFillTx/>
+                <a:latin typeface="+mn-lt"/>
+                <a:ea typeface="+mn-ea"/>
+                <a:cs typeface="+mn-cs"/>
+              </a:rPr>
+              <a:t>Sejalan dengan adanya kemajuan ilmu pengetahuan dan teknologi didukung pula dengan adanya kemajuan dibidang informasi. Semakin tinggi teknologi komunikasi yang digunakan akan semakin mempercepat proses penyampaian informasi. Proses pertukaran informasi yang cepat dapat membantu kelancaran kegiatan administrasi di dalam suatu organisasi baik swasta maupun pemerintahan, khususnya kegiatan admin</a:t>
+            </a:r>
+            <a:r>
+              <a:rPr kumimoji="0" lang="en-US" sz="2000" b="0" i="0" u="none" strike="noStrike" kern="1200" cap="none" spc="0" normalizeH="0" baseline="0" noProof="0" dirty="0" err="1" smtClean="0">
+                <a:ln>
+                  <a:noFill/>
+                </a:ln>
+                <a:solidFill>
+                  <a:schemeClr val="tx1"/>
+                </a:solidFill>
+                <a:effectLst/>
+                <a:uLnTx/>
+                <a:uFillTx/>
+                <a:latin typeface="+mn-lt"/>
+                <a:ea typeface="+mn-ea"/>
+                <a:cs typeface="+mn-cs"/>
+              </a:rPr>
+              <a:t>i</a:t>
+            </a:r>
+            <a:r>
+              <a:rPr kumimoji="0" lang="id-ID" sz="2000" b="0" i="0" u="none" strike="noStrike" kern="1200" cap="none" spc="0" normalizeH="0" baseline="0" noProof="0" dirty="0" smtClean="0">
+                <a:ln>
+                  <a:noFill/>
+                </a:ln>
+                <a:solidFill>
+                  <a:schemeClr val="tx1"/>
+                </a:solidFill>
+                <a:effectLst/>
+                <a:uLnTx/>
+                <a:uFillTx/>
+                <a:latin typeface="+mn-lt"/>
+                <a:ea typeface="+mn-ea"/>
+                <a:cs typeface="+mn-cs"/>
+              </a:rPr>
+              <a:t>st</a:t>
+            </a:r>
+            <a:r>
+              <a:rPr kumimoji="0" lang="en-US" sz="2000" b="0" i="0" u="none" strike="noStrike" kern="1200" cap="none" spc="0" normalizeH="0" baseline="0" noProof="0" dirty="0" smtClean="0">
+                <a:ln>
+                  <a:noFill/>
+                </a:ln>
+                <a:solidFill>
+                  <a:schemeClr val="tx1"/>
+                </a:solidFill>
+                <a:effectLst/>
+                <a:uLnTx/>
+                <a:uFillTx/>
+                <a:latin typeface="+mn-lt"/>
+                <a:ea typeface="+mn-ea"/>
+                <a:cs typeface="+mn-cs"/>
+              </a:rPr>
+              <a:t>r</a:t>
+            </a:r>
+            <a:r>
+              <a:rPr kumimoji="0" lang="id-ID" sz="2000" b="0" i="0" u="none" strike="noStrike" kern="1200" cap="none" spc="0" normalizeH="0" baseline="0" noProof="0" dirty="0" smtClean="0">
+                <a:ln>
+                  <a:noFill/>
+                </a:ln>
+                <a:solidFill>
+                  <a:schemeClr val="tx1"/>
+                </a:solidFill>
+                <a:effectLst/>
+                <a:uLnTx/>
+                <a:uFillTx/>
+                <a:latin typeface="+mn-lt"/>
+                <a:ea typeface="+mn-ea"/>
+                <a:cs typeface="+mn-cs"/>
+              </a:rPr>
+              <a:t>asi yang berkaitan dengan aktivitas korespondensi. </a:t>
+            </a:r>
+            <a:endParaRPr kumimoji="0" lang="en-US" sz="2000" b="0" i="0" u="none" strike="noStrike" kern="1200" cap="none" spc="0" normalizeH="0" baseline="0" noProof="0" dirty="0">
+              <a:ln>
+                <a:noFill/>
+              </a:ln>
+              <a:solidFill>
+                <a:schemeClr val="tx1"/>
+              </a:solidFill>
+              <a:effectLst/>
+              <a:uLnTx/>
+              <a:uFillTx/>
+              <a:latin typeface="+mn-lt"/>
+              <a:ea typeface="+mn-ea"/>
+              <a:cs typeface="+mn-cs"/>
+            </a:endParaRPr>
+          </a:p>
+        </p:txBody>
+      </p:sp>
+      <p:pic>
+        <p:nvPicPr>
+          <p:cNvPr id="13316" name="Picture 4" descr="https://2.bp.blogspot.com/-J0W8Iq3v0kQ/WEiasZ2RdYI/AAAAAAAAAjU/5g4PnAp4u-wpWnpyIzzohdvv6oWwRsEAQCLcB/s1600/it_tehnologi.jpg"/>
+          <p:cNvPicPr>
+            <a:picLocks noChangeAspect="1" noChangeArrowheads="1"/>
+          </p:cNvPicPr>
+          <p:nvPr/>
+        </p:nvPicPr>
+        <p:blipFill>
+          <a:blip r:embed="rId3"/>
+          <a:srcRect l="20455" r="28409"/>
+          <a:stretch>
+            <a:fillRect/>
+          </a:stretch>
+        </p:blipFill>
+        <p:spPr bwMode="auto">
+          <a:xfrm>
+            <a:off x="0" y="0"/>
+            <a:ext cx="3214678" cy="5143500"/>
+          </a:xfrm>
+          <a:prstGeom prst="rect">
+            <a:avLst/>
+          </a:prstGeom>
+          <a:noFill/>
+        </p:spPr>
+      </p:pic>
     </p:spTree>
   </p:cSld>
   <p:clrMapOvr>
@@ -4217,81 +4390,185 @@
       </p:grpSpPr>
       <p:sp>
         <p:nvSpPr>
-          <p:cNvPr id="2" name="Title 1"/>
-          <p:cNvSpPr>
-            <a:spLocks noGrp="1"/>
-          </p:cNvSpPr>
-          <p:nvPr>
-            <p:ph type="title"/>
-          </p:nvPr>
-        </p:nvSpPr>
-        <p:spPr/>
+          <p:cNvPr id="11266" name="AutoShape 2" descr="Kumpulan Contoh Surat... - Kumpulan Contoh Surat Menyurat"/>
+          <p:cNvSpPr>
+            <a:spLocks noChangeAspect="1" noChangeArrowheads="1"/>
+          </p:cNvSpPr>
+          <p:nvPr/>
+        </p:nvSpPr>
+        <p:spPr bwMode="auto">
+          <a:xfrm>
+            <a:off x="155575" y="-144463"/>
+            <a:ext cx="304800" cy="304801"/>
+          </a:xfrm>
+          <a:prstGeom prst="rect">
+            <a:avLst/>
+          </a:prstGeom>
+          <a:noFill/>
+        </p:spPr>
+        <p:txBody>
+          <a:bodyPr vert="horz" wrap="square" lIns="91440" tIns="45720" rIns="91440" bIns="45720" numCol="1" anchor="t" anchorCtr="0" compatLnSpc="1">
+            <a:prstTxWarp prst="textNoShape">
+              <a:avLst/>
+            </a:prstTxWarp>
+          </a:bodyPr>
+          <a:lstStyle/>
+          <a:p>
+            <a:endParaRPr lang="en-US"/>
+          </a:p>
+        </p:txBody>
+      </p:sp>
+      <p:sp>
+        <p:nvSpPr>
+          <p:cNvPr id="11268" name="AutoShape 4" descr="Kumpulan Contoh Surat... - Kumpulan Contoh Surat Menyurat"/>
+          <p:cNvSpPr>
+            <a:spLocks noChangeAspect="1" noChangeArrowheads="1"/>
+          </p:cNvSpPr>
+          <p:nvPr/>
+        </p:nvSpPr>
+        <p:spPr bwMode="auto">
+          <a:xfrm>
+            <a:off x="155575" y="-144463"/>
+            <a:ext cx="304800" cy="304801"/>
+          </a:xfrm>
+          <a:prstGeom prst="rect">
+            <a:avLst/>
+          </a:prstGeom>
+          <a:noFill/>
+        </p:spPr>
+        <p:txBody>
+          <a:bodyPr vert="horz" wrap="square" lIns="91440" tIns="45720" rIns="91440" bIns="45720" numCol="1" anchor="t" anchorCtr="0" compatLnSpc="1">
+            <a:prstTxWarp prst="textNoShape">
+              <a:avLst/>
+            </a:prstTxWarp>
+          </a:bodyPr>
+          <a:lstStyle/>
+          <a:p>
+            <a:endParaRPr lang="en-US"/>
+          </a:p>
+        </p:txBody>
+      </p:sp>
+      <p:sp>
+        <p:nvSpPr>
+          <p:cNvPr id="7" name="Content Placeholder 6"/>
+          <p:cNvSpPr>
+            <a:spLocks noGrp="1"/>
+          </p:cNvSpPr>
+          <p:nvPr>
+            <p:ph idx="1"/>
+          </p:nvPr>
+        </p:nvSpPr>
+        <p:spPr>
+          <a:xfrm>
+            <a:off x="4000496" y="1142990"/>
+            <a:ext cx="4614866" cy="3394472"/>
+          </a:xfrm>
+        </p:spPr>
         <p:txBody>
           <a:bodyPr/>
           <a:lstStyle/>
           <a:p>
-            <a:r>
-              <a:rPr lang="en-US" dirty="0" err="1" smtClean="0"/>
-              <a:t>Latar</a:t>
-            </a:r>
-            <a:r>
-              <a:rPr lang="en-US" dirty="0" smtClean="0"/>
-              <a:t> </a:t>
-            </a:r>
-            <a:r>
-              <a:rPr lang="en-US" dirty="0" err="1" smtClean="0"/>
-              <a:t>Belakang</a:t>
-            </a:r>
-            <a:r>
-              <a:rPr lang="en-US" dirty="0" smtClean="0"/>
-              <a:t> </a:t>
-            </a:r>
-            <a:r>
-              <a:rPr lang="en-US" dirty="0" err="1" smtClean="0"/>
-              <a:t>Masalah</a:t>
-            </a:r>
             <a:endParaRPr lang="en-US" dirty="0"/>
           </a:p>
         </p:txBody>
       </p:sp>
-      <p:sp>
-        <p:nvSpPr>
-          <p:cNvPr id="3" name="Content Placeholder 2"/>
-          <p:cNvSpPr>
-            <a:spLocks noGrp="1"/>
-          </p:cNvSpPr>
-          <p:nvPr>
-            <p:ph idx="1"/>
-          </p:nvPr>
-        </p:nvSpPr>
-        <p:spPr/>
-        <p:txBody>
-          <a:bodyPr>
+      <p:pic>
+        <p:nvPicPr>
+          <p:cNvPr id="11270" name="Picture 6" descr="10 Contoh Surat Pribadi untuk Orang Terdekat"/>
+          <p:cNvPicPr>
+            <a:picLocks noChangeAspect="1" noChangeArrowheads="1"/>
+          </p:cNvPicPr>
+          <p:nvPr/>
+        </p:nvPicPr>
+        <p:blipFill>
+          <a:blip r:embed="rId3"/>
+          <a:srcRect l="24427" r="33293"/>
+          <a:stretch>
+            <a:fillRect/>
+          </a:stretch>
+        </p:blipFill>
+        <p:spPr bwMode="auto">
+          <a:xfrm>
+            <a:off x="0" y="0"/>
+            <a:ext cx="3214710" cy="5143500"/>
+          </a:xfrm>
+          <a:prstGeom prst="rect">
+            <a:avLst/>
+          </a:prstGeom>
+          <a:noFill/>
+        </p:spPr>
+      </p:pic>
+      <p:sp>
+        <p:nvSpPr>
+          <p:cNvPr id="11" name="Title 1"/>
+          <p:cNvSpPr txBox="1">
+            <a:spLocks/>
+          </p:cNvSpPr>
+          <p:nvPr/>
+        </p:nvSpPr>
+        <p:spPr>
+          <a:xfrm>
+            <a:off x="3714744" y="285734"/>
+            <a:ext cx="5000660" cy="857250"/>
+          </a:xfrm>
+          <a:prstGeom prst="rect">
+            <a:avLst/>
+          </a:prstGeom>
+        </p:spPr>
+        <p:txBody>
+          <a:bodyPr vert="horz" lIns="91440" tIns="45720" rIns="91440" bIns="45720" rtlCol="0" anchor="ctr">
             <a:normAutofit/>
           </a:bodyPr>
           <a:lstStyle/>
           <a:p>
-            <a:r>
-              <a:rPr lang="id-ID" dirty="0" smtClean="0"/>
-              <a:t>Hal tersebut</a:t>
-            </a:r>
-            <a:r>
-              <a:rPr lang="en-US" dirty="0" smtClean="0"/>
-              <a:t> </a:t>
-            </a:r>
-            <a:r>
-              <a:rPr lang="en-US" dirty="0" err="1" smtClean="0"/>
-              <a:t>terdapat</a:t>
-            </a:r>
-            <a:r>
-              <a:rPr lang="en-US" dirty="0" smtClean="0"/>
-              <a:t> </a:t>
-            </a:r>
-            <a:r>
-              <a:rPr lang="id-ID" dirty="0" smtClean="0"/>
-              <a:t>permasalahan yang ada ketika ingin mencari kembali surat yang telah diarsipkan, atau surat yang telah diarsipkan sulit didapat karena masih mencarinya secara manual dan memerlukan waktu yang lama.</a:t>
-            </a:r>
-            <a:endParaRPr lang="en-US" dirty="0"/>
+            <a:pPr marL="0" marR="0" lvl="0" indent="0" algn="ctr" defTabSz="914400" rtl="0" eaLnBrk="1" fontAlgn="auto" latinLnBrk="0" hangingPunct="1">
+              <a:lnSpc>
+                <a:spcPct val="100000"/>
+              </a:lnSpc>
+              <a:spcBef>
+                <a:spcPct val="0"/>
+              </a:spcBef>
+              <a:spcAft>
+                <a:spcPts val="0"/>
+              </a:spcAft>
+              <a:buClrTx/>
+              <a:buSzTx/>
+              <a:buFontTx/>
+              <a:buNone/>
+              <a:tabLst/>
+              <a:defRPr/>
+            </a:pPr>
+            <a:r>
+              <a:rPr kumimoji="0" lang="en-US" sz="4400" b="0" i="0" u="none" strike="noStrike" kern="1200" cap="none" spc="0" normalizeH="0" baseline="0" noProof="0" smtClean="0">
+                <a:ln>
+                  <a:noFill/>
+                </a:ln>
+                <a:solidFill>
+                  <a:schemeClr val="tx1"/>
+                </a:solidFill>
+                <a:effectLst/>
+                <a:uLnTx/>
+                <a:uFillTx/>
+                <a:latin typeface="+mj-lt"/>
+                <a:ea typeface="+mj-ea"/>
+                <a:cs typeface="+mj-cs"/>
+              </a:rPr>
+              <a:t>Latar Belakang</a:t>
+            </a:r>
+            <a:endParaRPr kumimoji="0" lang="en-US" sz="4400" b="0" i="0" u="none" strike="noStrike" kern="1200" cap="none" spc="0" normalizeH="0" baseline="0" noProof="0" dirty="0">
+              <a:ln>
+                <a:noFill/>
+              </a:ln>
+              <a:solidFill>
+                <a:schemeClr val="tx1"/>
+              </a:solidFill>
+              <a:effectLst/>
+              <a:uLnTx/>
+              <a:uFillTx/>
+              <a:latin typeface="+mj-lt"/>
+              <a:ea typeface="+mj-ea"/>
+              <a:cs typeface="+mj-cs"/>
+            </a:endParaRPr>
           </a:p>
         </p:txBody>
       </p:sp>
@@ -4329,153 +4606,302 @@
       </p:grpSpPr>
       <p:sp>
         <p:nvSpPr>
-          <p:cNvPr id="2" name="Title 1"/>
-          <p:cNvSpPr>
-            <a:spLocks noGrp="1"/>
-          </p:cNvSpPr>
-          <p:nvPr>
-            <p:ph type="title"/>
-          </p:nvPr>
-        </p:nvSpPr>
-        <p:spPr/>
+          <p:cNvPr id="9220" name="AutoShape 4" descr="Tanda Tangan Elektronik Tanpa Sertifikasi, Sahkah Dokumennya? - Klinik  Hukumonline"/>
+          <p:cNvSpPr>
+            <a:spLocks noChangeAspect="1" noChangeArrowheads="1"/>
+          </p:cNvSpPr>
+          <p:nvPr/>
+        </p:nvSpPr>
+        <p:spPr bwMode="auto">
+          <a:xfrm>
+            <a:off x="155575" y="-144463"/>
+            <a:ext cx="304800" cy="304801"/>
+          </a:xfrm>
+          <a:prstGeom prst="rect">
+            <a:avLst/>
+          </a:prstGeom>
+          <a:noFill/>
+        </p:spPr>
+        <p:txBody>
+          <a:bodyPr vert="horz" wrap="square" lIns="91440" tIns="45720" rIns="91440" bIns="45720" numCol="1" anchor="t" anchorCtr="0" compatLnSpc="1">
+            <a:prstTxWarp prst="textNoShape">
+              <a:avLst/>
+            </a:prstTxWarp>
+          </a:bodyPr>
+          <a:lstStyle/>
+          <a:p>
+            <a:endParaRPr lang="en-US"/>
+          </a:p>
+        </p:txBody>
+      </p:sp>
+      <p:sp>
+        <p:nvSpPr>
+          <p:cNvPr id="9222" name="AutoShape 6" descr="https://images.hukumonline.com/frontend/lt61fa456141a89/lt61fa49de7b2e5.jpg"/>
+          <p:cNvSpPr>
+            <a:spLocks noChangeAspect="1" noChangeArrowheads="1"/>
+          </p:cNvSpPr>
+          <p:nvPr/>
+        </p:nvSpPr>
+        <p:spPr bwMode="auto">
+          <a:xfrm>
+            <a:off x="155575" y="-144463"/>
+            <a:ext cx="304800" cy="304801"/>
+          </a:xfrm>
+          <a:prstGeom prst="rect">
+            <a:avLst/>
+          </a:prstGeom>
+          <a:noFill/>
+        </p:spPr>
+        <p:txBody>
+          <a:bodyPr vert="horz" wrap="square" lIns="91440" tIns="45720" rIns="91440" bIns="45720" numCol="1" anchor="t" anchorCtr="0" compatLnSpc="1">
+            <a:prstTxWarp prst="textNoShape">
+              <a:avLst/>
+            </a:prstTxWarp>
+          </a:bodyPr>
+          <a:lstStyle/>
+          <a:p>
+            <a:endParaRPr lang="en-US"/>
+          </a:p>
+        </p:txBody>
+      </p:sp>
+      <p:sp>
+        <p:nvSpPr>
+          <p:cNvPr id="9224" name="AutoShape 8" descr="https://images.hukumonline.com/frontend/lt61fa456141a89/lt61fa49de7b2e5.jpg"/>
+          <p:cNvSpPr>
+            <a:spLocks noChangeAspect="1" noChangeArrowheads="1"/>
+          </p:cNvSpPr>
+          <p:nvPr/>
+        </p:nvSpPr>
+        <p:spPr bwMode="auto">
+          <a:xfrm>
+            <a:off x="155575" y="-144463"/>
+            <a:ext cx="304800" cy="304801"/>
+          </a:xfrm>
+          <a:prstGeom prst="rect">
+            <a:avLst/>
+          </a:prstGeom>
+          <a:noFill/>
+        </p:spPr>
+        <p:txBody>
+          <a:bodyPr vert="horz" wrap="square" lIns="91440" tIns="45720" rIns="91440" bIns="45720" numCol="1" anchor="t" anchorCtr="0" compatLnSpc="1">
+            <a:prstTxWarp prst="textNoShape">
+              <a:avLst/>
+            </a:prstTxWarp>
+          </a:bodyPr>
+          <a:lstStyle/>
+          <a:p>
+            <a:endParaRPr lang="en-US"/>
+          </a:p>
+        </p:txBody>
+      </p:sp>
+      <p:sp>
+        <p:nvSpPr>
+          <p:cNvPr id="13" name="Content Placeholder 12"/>
+          <p:cNvSpPr>
+            <a:spLocks noGrp="1"/>
+          </p:cNvSpPr>
+          <p:nvPr>
+            <p:ph idx="1"/>
+          </p:nvPr>
+        </p:nvSpPr>
+        <p:spPr>
+          <a:xfrm>
+            <a:off x="3643306" y="1200151"/>
+            <a:ext cx="5043494" cy="3394472"/>
+          </a:xfrm>
+        </p:spPr>
         <p:txBody>
           <a:bodyPr/>
           <a:lstStyle/>
           <a:p>
-            <a:r>
-              <a:rPr lang="en-US" dirty="0" err="1" smtClean="0"/>
-              <a:t>Latar</a:t>
-            </a:r>
-            <a:r>
-              <a:rPr lang="en-US" dirty="0" smtClean="0"/>
-              <a:t> </a:t>
-            </a:r>
-            <a:r>
-              <a:rPr lang="en-US" dirty="0" err="1" smtClean="0"/>
-              <a:t>Belakang</a:t>
-            </a:r>
-            <a:r>
-              <a:rPr lang="en-US" dirty="0" smtClean="0"/>
-              <a:t> </a:t>
-            </a:r>
-            <a:r>
-              <a:rPr lang="en-US" dirty="0" err="1" smtClean="0"/>
-              <a:t>Masalah</a:t>
-            </a:r>
             <a:endParaRPr lang="en-US" dirty="0"/>
           </a:p>
         </p:txBody>
       </p:sp>
       <p:sp>
         <p:nvSpPr>
-          <p:cNvPr id="3" name="Content Placeholder 2"/>
-          <p:cNvSpPr>
-            <a:spLocks noGrp="1"/>
-          </p:cNvSpPr>
-          <p:nvPr>
-            <p:ph idx="1"/>
-          </p:nvPr>
-        </p:nvSpPr>
-        <p:spPr/>
-        <p:txBody>
-          <a:bodyPr>
+          <p:cNvPr id="14" name="Rectangle 13"/>
+          <p:cNvSpPr/>
+          <p:nvPr/>
+        </p:nvSpPr>
+        <p:spPr>
+          <a:xfrm>
+            <a:off x="0" y="0"/>
+            <a:ext cx="3214678" cy="5143500"/>
+          </a:xfrm>
+          <a:prstGeom prst="rect">
+            <a:avLst/>
+          </a:prstGeom>
+          <a:solidFill>
+            <a:schemeClr val="tx2">
+              <a:lumMod val="75000"/>
+            </a:schemeClr>
+          </a:solidFill>
+          <a:ln>
+            <a:noFill/>
+          </a:ln>
+        </p:spPr>
+        <p:style>
+          <a:lnRef idx="2">
+            <a:schemeClr val="dk1">
+              <a:shade val="50000"/>
+            </a:schemeClr>
+          </a:lnRef>
+          <a:fillRef idx="1">
+            <a:schemeClr val="dk1"/>
+          </a:fillRef>
+          <a:effectRef idx="0">
+            <a:schemeClr val="dk1"/>
+          </a:effectRef>
+          <a:fontRef idx="minor">
+            <a:schemeClr val="lt1"/>
+          </a:fontRef>
+        </p:style>
+        <p:txBody>
+          <a:bodyPr rtlCol="0" anchor="ctr"/>
+          <a:lstStyle/>
+          <a:p>
+            <a:pPr algn="ctr"/>
+            <a:endParaRPr lang="en-US"/>
+          </a:p>
+        </p:txBody>
+      </p:sp>
+      <p:pic>
+        <p:nvPicPr>
+          <p:cNvPr id="15" name="Picture 12" descr="Top 8 Tips For Your Email Marketing Campaign - Publer"/>
+          <p:cNvPicPr>
+            <a:picLocks noChangeAspect="1" noChangeArrowheads="1"/>
+          </p:cNvPicPr>
+          <p:nvPr/>
+        </p:nvPicPr>
+        <p:blipFill>
+          <a:blip r:embed="rId3">
+            <a:lum bright="-10000" contrast="10000"/>
+          </a:blip>
+          <a:srcRect l="36719" r="28124"/>
+          <a:stretch>
+            <a:fillRect/>
+          </a:stretch>
+        </p:blipFill>
+        <p:spPr bwMode="auto">
+          <a:xfrm>
+            <a:off x="0" y="0"/>
+            <a:ext cx="3214678" cy="5143500"/>
+          </a:xfrm>
+          <a:prstGeom prst="rect">
+            <a:avLst/>
+          </a:prstGeom>
+          <a:noFill/>
+          <a:effectLst>
+            <a:softEdge rad="317500"/>
+          </a:effectLst>
+        </p:spPr>
+      </p:pic>
+      <p:sp>
+        <p:nvSpPr>
+          <p:cNvPr id="18" name="Title 1"/>
+          <p:cNvSpPr txBox="1">
+            <a:spLocks/>
+          </p:cNvSpPr>
+          <p:nvPr/>
+        </p:nvSpPr>
+        <p:spPr>
+          <a:xfrm>
+            <a:off x="3714744" y="285734"/>
+            <a:ext cx="5000660" cy="857250"/>
+          </a:xfrm>
+          <a:prstGeom prst="rect">
+            <a:avLst/>
+          </a:prstGeom>
+        </p:spPr>
+        <p:txBody>
+          <a:bodyPr vert="horz" lIns="91440" tIns="45720" rIns="91440" bIns="45720" rtlCol="0" anchor="ctr">
             <a:normAutofit/>
           </a:bodyPr>
           <a:lstStyle/>
           <a:p>
-            <a:r>
-              <a:rPr lang="en-US" dirty="0" err="1" smtClean="0"/>
-              <a:t>Maka</a:t>
-            </a:r>
-            <a:r>
-              <a:rPr lang="en-US" dirty="0" smtClean="0"/>
+            <a:pPr marL="0" marR="0" lvl="0" indent="0" algn="ctr" defTabSz="914400" rtl="0" eaLnBrk="1" fontAlgn="auto" latinLnBrk="0" hangingPunct="1">
+              <a:lnSpc>
+                <a:spcPct val="100000"/>
+              </a:lnSpc>
+              <a:spcBef>
+                <a:spcPct val="0"/>
+              </a:spcBef>
+              <a:spcAft>
+                <a:spcPts val="0"/>
+              </a:spcAft>
+              <a:buClrTx/>
+              <a:buSzTx/>
+              <a:buFontTx/>
+              <a:buNone/>
+              <a:tabLst/>
+              <a:defRPr/>
+            </a:pPr>
+            <a:r>
+              <a:rPr kumimoji="0" lang="en-US" sz="4400" b="0" i="0" u="none" strike="noStrike" kern="1200" cap="none" spc="0" normalizeH="0" baseline="0" noProof="0" dirty="0" err="1" smtClean="0">
+                <a:ln>
+                  <a:noFill/>
+                </a:ln>
+                <a:solidFill>
+                  <a:schemeClr val="tx1"/>
+                </a:solidFill>
+                <a:effectLst/>
+                <a:uLnTx/>
+                <a:uFillTx/>
+                <a:latin typeface="+mj-lt"/>
+                <a:ea typeface="+mj-ea"/>
+                <a:cs typeface="+mj-cs"/>
+              </a:rPr>
+              <a:t>Latar</a:t>
+            </a:r>
+            <a:r>
+              <a:rPr kumimoji="0" lang="en-US" sz="4400" b="0" i="0" u="none" strike="noStrike" kern="1200" cap="none" spc="0" normalizeH="0" baseline="0" noProof="0" dirty="0" smtClean="0">
+                <a:ln>
+                  <a:noFill/>
+                </a:ln>
+                <a:solidFill>
+                  <a:schemeClr val="tx1"/>
+                </a:solidFill>
+                <a:effectLst/>
+                <a:uLnTx/>
+                <a:uFillTx/>
+                <a:latin typeface="+mj-lt"/>
+                <a:ea typeface="+mj-ea"/>
+                <a:cs typeface="+mj-cs"/>
+              </a:rPr>
               <a:t> </a:t>
             </a:r>
             <a:r>
-              <a:rPr lang="id-ID" dirty="0" smtClean="0"/>
-              <a:t>perlu </a:t>
-            </a:r>
-            <a:r>
-              <a:rPr lang="en-US" dirty="0" err="1" smtClean="0"/>
-              <a:t>dibuat</a:t>
-            </a:r>
-            <a:r>
-              <a:rPr lang="en-US" dirty="0" smtClean="0"/>
-              <a:t> </a:t>
-            </a:r>
-            <a:r>
-              <a:rPr lang="en-US" dirty="0" err="1" smtClean="0"/>
-              <a:t>sebuah</a:t>
-            </a:r>
-            <a:r>
-              <a:rPr lang="en-US" dirty="0" smtClean="0"/>
-              <a:t> </a:t>
-            </a:r>
-            <a:r>
-              <a:rPr lang="en-US" dirty="0" err="1" smtClean="0"/>
-              <a:t>penelitian</a:t>
-            </a:r>
-            <a:r>
-              <a:rPr lang="en-US" dirty="0" smtClean="0"/>
-              <a:t> agar </a:t>
-            </a:r>
-            <a:r>
-              <a:rPr lang="en-US" dirty="0" err="1" smtClean="0"/>
-              <a:t>dapat</a:t>
-            </a:r>
-            <a:r>
-              <a:rPr lang="en-US" dirty="0" smtClean="0"/>
-              <a:t> </a:t>
-            </a:r>
-            <a:r>
-              <a:rPr lang="en-US" dirty="0" err="1" smtClean="0"/>
-              <a:t>menyelesaikan</a:t>
-            </a:r>
-            <a:r>
-              <a:rPr lang="en-US" dirty="0" smtClean="0"/>
-              <a:t> </a:t>
-            </a:r>
-            <a:r>
-              <a:rPr lang="en-US" dirty="0" err="1" smtClean="0"/>
-              <a:t>permasalahan</a:t>
-            </a:r>
-            <a:r>
-              <a:rPr lang="en-US" dirty="0" smtClean="0"/>
-              <a:t> </a:t>
-            </a:r>
-            <a:r>
-              <a:rPr lang="en-US" dirty="0" err="1" smtClean="0"/>
-              <a:t>pada</a:t>
-            </a:r>
-            <a:r>
-              <a:rPr lang="en-US" dirty="0" smtClean="0"/>
-              <a:t> </a:t>
-            </a:r>
-            <a:r>
-              <a:rPr lang="en-US" dirty="0" err="1" smtClean="0"/>
-              <a:t>sistem</a:t>
-            </a:r>
-            <a:r>
-              <a:rPr lang="en-US" dirty="0" smtClean="0"/>
-              <a:t> </a:t>
-            </a:r>
-            <a:r>
-              <a:rPr lang="id-ID" dirty="0" smtClean="0"/>
-              <a:t>surat-menyurat </a:t>
-            </a:r>
-            <a:r>
-              <a:rPr lang="en-US" dirty="0" err="1" smtClean="0"/>
-              <a:t>di</a:t>
-            </a:r>
-            <a:r>
-              <a:rPr lang="en-US" dirty="0" smtClean="0"/>
-              <a:t> </a:t>
-            </a:r>
-            <a:r>
-              <a:rPr lang="id-ID" dirty="0" smtClean="0"/>
-              <a:t>Badan Pendapatan Daerah Kabupaten Tabalong. </a:t>
-            </a:r>
-            <a:endParaRPr lang="en-US" dirty="0"/>
+              <a:rPr kumimoji="0" lang="en-US" sz="4400" b="0" i="0" u="none" strike="noStrike" kern="1200" cap="none" spc="0" normalizeH="0" baseline="0" noProof="0" dirty="0" err="1" smtClean="0">
+                <a:ln>
+                  <a:noFill/>
+                </a:ln>
+                <a:solidFill>
+                  <a:schemeClr val="tx1"/>
+                </a:solidFill>
+                <a:effectLst/>
+                <a:uLnTx/>
+                <a:uFillTx/>
+                <a:latin typeface="+mj-lt"/>
+                <a:ea typeface="+mj-ea"/>
+                <a:cs typeface="+mj-cs"/>
+              </a:rPr>
+              <a:t>Belakang</a:t>
+            </a:r>
+            <a:endParaRPr kumimoji="0" lang="en-US" sz="4400" b="0" i="0" u="none" strike="noStrike" kern="1200" cap="none" spc="0" normalizeH="0" baseline="0" noProof="0" dirty="0">
+              <a:ln>
+                <a:noFill/>
+              </a:ln>
+              <a:solidFill>
+                <a:schemeClr val="tx1"/>
+              </a:solidFill>
+              <a:effectLst/>
+              <a:uLnTx/>
+              <a:uFillTx/>
+              <a:latin typeface="+mj-lt"/>
+              <a:ea typeface="+mj-ea"/>
+              <a:cs typeface="+mj-cs"/>
+            </a:endParaRPr>
           </a:p>
         </p:txBody>
       </p:sp>
@@ -4513,7 +4939,74 @@
       </p:grpSpPr>
       <p:sp>
         <p:nvSpPr>
-          <p:cNvPr id="2" name="Title 1"/>
+          <p:cNvPr id="28676" name="AutoShape 4" descr="https://www.kibrispdr.org/data/265/gambar-animasi-surat-58.jpg"/>
+          <p:cNvSpPr>
+            <a:spLocks noChangeAspect="1" noChangeArrowheads="1"/>
+          </p:cNvSpPr>
+          <p:nvPr/>
+        </p:nvSpPr>
+        <p:spPr bwMode="auto">
+          <a:xfrm>
+            <a:off x="63500" y="-136525"/>
+            <a:ext cx="8877300" cy="5972175"/>
+          </a:xfrm>
+          <a:prstGeom prst="rect">
+            <a:avLst/>
+          </a:prstGeom>
+          <a:noFill/>
+        </p:spPr>
+        <p:txBody>
+          <a:bodyPr vert="horz" wrap="square" lIns="91440" tIns="45720" rIns="91440" bIns="45720" numCol="1" anchor="t" anchorCtr="0" compatLnSpc="1">
+            <a:prstTxWarp prst="textNoShape">
+              <a:avLst/>
+            </a:prstTxWarp>
+          </a:bodyPr>
+          <a:lstStyle/>
+          <a:p>
+            <a:endParaRPr lang="en-US"/>
+          </a:p>
+        </p:txBody>
+      </p:sp>
+      <p:pic>
+        <p:nvPicPr>
+          <p:cNvPr id="28678" name="Picture 6" descr="https://www.kibrispdr.org/data/265/gambar-animasi-surat-58.jpg"/>
+          <p:cNvPicPr>
+            <a:picLocks noChangeAspect="1" noChangeArrowheads="1"/>
+          </p:cNvPicPr>
+          <p:nvPr/>
+        </p:nvPicPr>
+        <p:blipFill>
+          <a:blip r:embed="rId2" cstate="print">
+            <a:clrChange>
+              <a:clrFrom>
+                <a:srgbClr val="FFFFFF"/>
+              </a:clrFrom>
+              <a:clrTo>
+                <a:srgbClr val="FFFFFF">
+                  <a:alpha val="0"/>
+                </a:srgbClr>
+              </a:clrTo>
+            </a:clrChange>
+          </a:blip>
+          <a:srcRect l="19354" t="14385" r="19355" b="16088"/>
+          <a:stretch>
+            <a:fillRect/>
+          </a:stretch>
+        </p:blipFill>
+        <p:spPr bwMode="auto">
+          <a:xfrm>
+            <a:off x="5857884" y="2601875"/>
+            <a:ext cx="3143240" cy="2398767"/>
+          </a:xfrm>
+          <a:prstGeom prst="rect">
+            <a:avLst/>
+          </a:prstGeom>
+          <a:noFill/>
+        </p:spPr>
+      </p:pic>
+      <p:sp>
+        <p:nvSpPr>
+          <p:cNvPr id="12" name="Title 11"/>
           <p:cNvSpPr>
             <a:spLocks noGrp="1"/>
           </p:cNvSpPr>
@@ -4528,7 +5021,7 @@
           <a:p>
             <a:r>
               <a:rPr lang="en-US" dirty="0" err="1" smtClean="0"/>
-              <a:t>Tujuan</a:t>
+              <a:t>Rumusan</a:t>
             </a:r>
             <a:r>
               <a:rPr lang="en-US" dirty="0" smtClean="0"/>
@@ -4536,7 +5029,7 @@
             </a:r>
             <a:r>
               <a:rPr lang="en-US" dirty="0" err="1" smtClean="0"/>
-              <a:t>Penelitian</a:t>
+              <a:t>Masalah</a:t>
             </a:r>
             <a:endParaRPr lang="en-US" dirty="0"/>
           </a:p>
@@ -4544,7 +5037,7 @@
       </p:sp>
       <p:sp>
         <p:nvSpPr>
-          <p:cNvPr id="3" name="Content Placeholder 2"/>
+          <p:cNvPr id="13" name="Content Placeholder 12"/>
           <p:cNvSpPr>
             <a:spLocks noGrp="1"/>
           </p:cNvSpPr>
@@ -4552,16 +5045,198 @@
             <p:ph idx="1"/>
           </p:nvPr>
         </p:nvSpPr>
-        <p:spPr/>
+        <p:spPr>
+          <a:xfrm>
+            <a:off x="428596" y="1214428"/>
+            <a:ext cx="5357850" cy="3157550"/>
+          </a:xfrm>
+        </p:spPr>
         <p:txBody>
           <a:bodyPr>
-            <a:normAutofit lnSpcReduction="10000"/>
+            <a:normAutofit fontScale="62500" lnSpcReduction="20000"/>
           </a:bodyPr>
           <a:lstStyle/>
           <a:p>
+            <a:pPr marL="514350" lvl="0" indent="-514350">
+              <a:buFont typeface="+mj-lt"/>
+              <a:buAutoNum type="arabicPeriod"/>
+            </a:pPr>
+            <a:endParaRPr lang="en-US" dirty="0" smtClean="0"/>
+          </a:p>
+          <a:p>
+            <a:pPr marL="514350" lvl="0" indent="-514350">
+              <a:buFont typeface="+mj-lt"/>
+              <a:buAutoNum type="arabicPeriod"/>
+            </a:pPr>
+            <a:r>
+              <a:rPr lang="id-ID" dirty="0" smtClean="0">
+                <a:solidFill>
+                  <a:schemeClr val="bg1"/>
+                </a:solidFill>
+              </a:rPr>
+              <a:t>Apakah </a:t>
+            </a:r>
+            <a:r>
+              <a:rPr lang="en-US" dirty="0" err="1" smtClean="0">
+                <a:solidFill>
+                  <a:schemeClr val="bg1"/>
+                </a:solidFill>
+              </a:rPr>
+              <a:t>Perangkat</a:t>
+            </a:r>
+            <a:r>
+              <a:rPr lang="en-US" dirty="0" smtClean="0">
+                <a:solidFill>
+                  <a:schemeClr val="bg1"/>
+                </a:solidFill>
+              </a:rPr>
+              <a:t> </a:t>
+            </a:r>
+            <a:r>
+              <a:rPr lang="en-US" dirty="0" err="1" smtClean="0">
+                <a:solidFill>
+                  <a:schemeClr val="bg1"/>
+                </a:solidFill>
+              </a:rPr>
+              <a:t>Lunak</a:t>
+            </a:r>
+            <a:r>
+              <a:rPr lang="en-US" dirty="0" smtClean="0">
+                <a:solidFill>
+                  <a:schemeClr val="bg1"/>
+                </a:solidFill>
+              </a:rPr>
+              <a:t> yang </a:t>
+            </a:r>
+            <a:r>
+              <a:rPr lang="en-US" dirty="0" err="1" smtClean="0">
+                <a:solidFill>
+                  <a:schemeClr val="bg1"/>
+                </a:solidFill>
+              </a:rPr>
+              <a:t>dibangun</a:t>
+            </a:r>
+            <a:r>
+              <a:rPr lang="en-US" dirty="0" smtClean="0">
+                <a:solidFill>
+                  <a:schemeClr val="bg1"/>
+                </a:solidFill>
+              </a:rPr>
+              <a:t> </a:t>
+            </a:r>
+            <a:r>
+              <a:rPr lang="en-US" dirty="0" err="1" smtClean="0">
+                <a:solidFill>
+                  <a:schemeClr val="bg1"/>
+                </a:solidFill>
+              </a:rPr>
+              <a:t>dapat</a:t>
+            </a:r>
+            <a:r>
+              <a:rPr lang="id-ID" dirty="0" smtClean="0">
+                <a:solidFill>
+                  <a:schemeClr val="bg1"/>
+                </a:solidFill>
+              </a:rPr>
+              <a:t> merekam data </a:t>
+            </a:r>
+            <a:r>
+              <a:rPr lang="en-US" dirty="0" smtClean="0">
+                <a:solidFill>
+                  <a:schemeClr val="bg1"/>
+                </a:solidFill>
+              </a:rPr>
+              <a:t>S</a:t>
+            </a:r>
+            <a:r>
+              <a:rPr lang="id-ID" dirty="0" smtClean="0">
+                <a:solidFill>
+                  <a:schemeClr val="bg1"/>
+                </a:solidFill>
+              </a:rPr>
+              <a:t>urat</a:t>
+            </a:r>
+            <a:r>
+              <a:rPr lang="en-US" dirty="0" smtClean="0">
+                <a:solidFill>
+                  <a:schemeClr val="bg1"/>
+                </a:solidFill>
+              </a:rPr>
+              <a:t> </a:t>
+            </a:r>
+            <a:r>
+              <a:rPr lang="en-US" dirty="0" err="1" smtClean="0">
+                <a:solidFill>
+                  <a:schemeClr val="bg1"/>
+                </a:solidFill>
+              </a:rPr>
+              <a:t>Masuk</a:t>
+            </a:r>
+            <a:r>
+              <a:rPr lang="en-US" dirty="0" smtClean="0">
+                <a:solidFill>
+                  <a:schemeClr val="bg1"/>
+                </a:solidFill>
+              </a:rPr>
+              <a:t> </a:t>
+            </a:r>
+            <a:r>
+              <a:rPr lang="en-US" dirty="0" err="1" smtClean="0">
+                <a:solidFill>
+                  <a:schemeClr val="bg1"/>
+                </a:solidFill>
+              </a:rPr>
+              <a:t>dan</a:t>
+            </a:r>
+            <a:r>
+              <a:rPr lang="en-US" dirty="0" smtClean="0">
+                <a:solidFill>
+                  <a:schemeClr val="bg1"/>
+                </a:solidFill>
+              </a:rPr>
+              <a:t> </a:t>
+            </a:r>
+            <a:r>
+              <a:rPr lang="en-US" dirty="0" err="1" smtClean="0">
+                <a:solidFill>
+                  <a:schemeClr val="bg1"/>
+                </a:solidFill>
+              </a:rPr>
+              <a:t>Keluar</a:t>
+            </a:r>
+            <a:r>
+              <a:rPr lang="id-ID" dirty="0" smtClean="0">
+                <a:solidFill>
+                  <a:schemeClr val="bg1"/>
+                </a:solidFill>
+              </a:rPr>
+              <a:t>?</a:t>
+            </a:r>
+            <a:endParaRPr lang="en-US" dirty="0" smtClean="0">
+              <a:solidFill>
+                <a:schemeClr val="bg1"/>
+              </a:solidFill>
+            </a:endParaRPr>
+          </a:p>
+          <a:p>
+            <a:pPr marL="514350" lvl="0" indent="-514350">
+              <a:buFont typeface="+mj-lt"/>
+              <a:buAutoNum type="arabicPeriod"/>
+            </a:pPr>
+            <a:endParaRPr lang="en-US" dirty="0" smtClean="0"/>
+          </a:p>
+          <a:p>
+            <a:pPr marL="514350" lvl="0" indent="-514350">
+              <a:buFont typeface="+mj-lt"/>
+              <a:buAutoNum type="arabicPeriod"/>
+            </a:pPr>
+            <a:r>
+              <a:rPr lang="id-ID" dirty="0" smtClean="0"/>
+              <a:t>Apakah </a:t>
+            </a:r>
             <a:r>
               <a:rPr lang="en-US" dirty="0" err="1" smtClean="0"/>
-              <a:t>Dalam</a:t>
+              <a:t>Perangkat</a:t>
             </a:r>
             <a:r>
               <a:rPr lang="en-US" dirty="0" smtClean="0"/>
@@ -4569,7 +5244,15 @@
             </a:r>
             <a:r>
               <a:rPr lang="en-US" dirty="0" err="1" smtClean="0"/>
-              <a:t>penelitian</a:t>
+              <a:t>Lunak</a:t>
+            </a:r>
+            <a:r>
+              <a:rPr lang="en-US" dirty="0" smtClean="0"/>
+              <a:t> yang </a:t>
+            </a:r>
+            <a:r>
+              <a:rPr lang="en-US" dirty="0" err="1" smtClean="0"/>
+              <a:t>dibangun</a:t>
             </a:r>
             <a:r>
               <a:rPr lang="en-US" dirty="0" smtClean="0"/>
@@ -4577,132 +5260,502 @@
             </a:r>
             <a:r>
               <a:rPr lang="en-US" dirty="0" err="1" smtClean="0"/>
-              <a:t>ini</a:t>
+              <a:t>dapat</a:t>
             </a:r>
             <a:r>
               <a:rPr lang="en-US" dirty="0" smtClean="0"/>
               <a:t> </a:t>
             </a:r>
             <a:r>
+              <a:rPr lang="id-ID" dirty="0" smtClean="0"/>
+              <a:t>mencari data </a:t>
+            </a:r>
+            <a:r>
               <a:rPr lang="en-US" dirty="0" err="1" smtClean="0"/>
-              <a:t>bertujuan</a:t>
+              <a:t>Surat</a:t>
             </a:r>
             <a:r>
               <a:rPr lang="en-US" dirty="0" smtClean="0"/>
               <a:t> </a:t>
             </a:r>
             <a:r>
+              <a:rPr lang="en-US" dirty="0" err="1" smtClean="0"/>
+              <a:t>Masuk</a:t>
+            </a:r>
+            <a:r>
+              <a:rPr lang="en-US" dirty="0" smtClean="0"/>
+              <a:t> </a:t>
+            </a:r>
+            <a:r>
+              <a:rPr lang="en-US" dirty="0" err="1" smtClean="0"/>
+              <a:t>dan</a:t>
+            </a:r>
+            <a:r>
+              <a:rPr lang="en-US" dirty="0" smtClean="0"/>
+              <a:t> </a:t>
+            </a:r>
+            <a:r>
+              <a:rPr lang="en-US" dirty="0" err="1" smtClean="0"/>
+              <a:t>Keluar</a:t>
+            </a:r>
+            <a:r>
               <a:rPr lang="id-ID" dirty="0" smtClean="0"/>
-              <a:t>membangun </a:t>
-            </a:r>
-            <a:r>
-              <a:rPr lang="id-ID" dirty="0"/>
-              <a:t>Sistem Informasi Manajemen </a:t>
-            </a:r>
-            <a:r>
-              <a:rPr lang="en-US" dirty="0" err="1"/>
-              <a:t>Arsip</a:t>
-            </a:r>
-            <a:r>
-              <a:rPr lang="en-US" dirty="0"/>
+              <a:t>?</a:t>
+            </a:r>
+            <a:endParaRPr lang="en-US" dirty="0" smtClean="0"/>
+          </a:p>
+          <a:p>
+            <a:pPr marL="514350" lvl="0" indent="-514350">
+              <a:buFont typeface="+mj-lt"/>
+              <a:buAutoNum type="arabicPeriod"/>
+            </a:pPr>
+            <a:endParaRPr lang="en-US" dirty="0" smtClean="0"/>
+          </a:p>
+          <a:p>
+            <a:pPr marL="514350" lvl="0" indent="-514350">
+              <a:buFont typeface="+mj-lt"/>
+              <a:buAutoNum type="arabicPeriod"/>
+            </a:pPr>
+            <a:r>
+              <a:rPr lang="id-ID" dirty="0" smtClean="0"/>
+              <a:t>Apakah </a:t>
+            </a:r>
+            <a:r>
+              <a:rPr lang="en-US" dirty="0" err="1" smtClean="0"/>
+              <a:t>Perangkat</a:t>
+            </a:r>
+            <a:r>
+              <a:rPr lang="en-US" dirty="0" smtClean="0"/>
               <a:t> </a:t>
             </a:r>
             <a:r>
-              <a:rPr lang="id-ID" dirty="0"/>
-              <a:t>Surat dengan merancang sebuah Perangkat Lunak </a:t>
+              <a:rPr lang="en-US" dirty="0" err="1" smtClean="0"/>
+              <a:t>Lunak</a:t>
+            </a:r>
+            <a:r>
+              <a:rPr lang="en-US" dirty="0" smtClean="0"/>
+              <a:t> yang </a:t>
+            </a:r>
+            <a:r>
+              <a:rPr lang="en-US" dirty="0" err="1" smtClean="0"/>
+              <a:t>dibangun</a:t>
+            </a:r>
+            <a:r>
+              <a:rPr lang="en-US" dirty="0" smtClean="0"/>
+              <a:t> </a:t>
+            </a:r>
+            <a:r>
+              <a:rPr lang="en-US" dirty="0" err="1" smtClean="0"/>
+              <a:t>dapat</a:t>
             </a:r>
             <a:r>
               <a:rPr lang="id-ID" dirty="0" smtClean="0"/>
-              <a:t>berbasis</a:t>
+              <a:t> mencetak </a:t>
             </a:r>
             <a:r>
               <a:rPr lang="en-US" dirty="0" smtClean="0"/>
-              <a:t> web</a:t>
-            </a:r>
-            <a:r>
-              <a:rPr lang="id-ID" i="1" dirty="0" smtClean="0"/>
+              <a:t>L</a:t>
+            </a:r>
+            <a:r>
+              <a:rPr lang="id-ID" dirty="0" smtClean="0"/>
+              <a:t>embar</a:t>
+            </a:r>
+            <a:r>
+              <a:rPr lang="en-US" dirty="0" smtClean="0"/>
+              <a:t> yang Did</a:t>
+            </a:r>
+            <a:r>
+              <a:rPr lang="id-ID" dirty="0" smtClean="0"/>
+              <a:t>isposisi</a:t>
+            </a:r>
+            <a:r>
+              <a:rPr lang="en-US" dirty="0" err="1" smtClean="0"/>
+              <a:t>kan</a:t>
+            </a:r>
+            <a:r>
+              <a:rPr lang="en-US" dirty="0" smtClean="0"/>
               <a:t> </a:t>
             </a:r>
             <a:r>
-              <a:rPr lang="en-US" dirty="0"/>
-              <a:t>yang d</a:t>
-            </a:r>
-            <a:r>
-              <a:rPr lang="id-ID" dirty="0"/>
-              <a:t>apat menyelesaikan </a:t>
-            </a:r>
-            <a:r>
-              <a:rPr lang="en-US" dirty="0" err="1"/>
-              <a:t>permasalahan</a:t>
-            </a:r>
-            <a:r>
-              <a:rPr lang="en-US" dirty="0"/>
+              <a:rPr lang="en-US" dirty="0" err="1" smtClean="0"/>
+              <a:t>oleh</a:t>
+            </a:r>
+            <a:r>
+              <a:rPr lang="en-US" dirty="0" smtClean="0"/>
               <a:t> </a:t>
             </a:r>
             <a:r>
-              <a:rPr lang="en-US" dirty="0" err="1"/>
-              <a:t>pada</a:t>
-            </a:r>
-            <a:r>
-              <a:rPr lang="en-US" dirty="0"/>
+              <a:rPr lang="en-US" dirty="0" err="1" smtClean="0"/>
+              <a:t>Pimpinan</a:t>
+            </a:r>
+            <a:r>
+              <a:rPr lang="id-ID" dirty="0" smtClean="0"/>
+              <a:t>?</a:t>
+            </a:r>
+            <a:endParaRPr lang="en-US" dirty="0" smtClean="0"/>
+          </a:p>
+        </p:txBody>
+      </p:sp>
+      <p:sp>
+        <p:nvSpPr>
+          <p:cNvPr id="14" name="Content Placeholder 12"/>
+          <p:cNvSpPr txBox="1">
+            <a:spLocks/>
+          </p:cNvSpPr>
+          <p:nvPr/>
+        </p:nvSpPr>
+        <p:spPr>
+          <a:xfrm>
+            <a:off x="428596" y="1643056"/>
+            <a:ext cx="8143932" cy="1076324"/>
+          </a:xfrm>
+          <a:prstGeom prst="rect">
+            <a:avLst/>
+          </a:prstGeom>
+        </p:spPr>
+        <p:txBody>
+          <a:bodyPr vert="horz" lIns="91440" tIns="45720" rIns="91440" bIns="45720" rtlCol="0">
+            <a:normAutofit/>
+          </a:bodyPr>
+          <a:lstStyle/>
+          <a:p>
+            <a:pPr marL="536575" marR="0" lvl="0" indent="-536575" algn="l" defTabSz="914400" rtl="0" eaLnBrk="1" fontAlgn="auto" latinLnBrk="0" hangingPunct="1">
+              <a:lnSpc>
+                <a:spcPct val="100000"/>
+              </a:lnSpc>
+              <a:spcBef>
+                <a:spcPct val="20000"/>
+              </a:spcBef>
+              <a:spcAft>
+                <a:spcPts val="0"/>
+              </a:spcAft>
+              <a:buClrTx/>
+              <a:buSzTx/>
+              <a:buFont typeface="+mj-lt"/>
+              <a:buAutoNum type="arabicPeriod"/>
+              <a:tabLst/>
+              <a:defRPr/>
+            </a:pPr>
+            <a:r>
+              <a:rPr kumimoji="0" lang="id-ID" sz="2000" b="0" i="0" u="none" strike="noStrike" kern="1200" cap="none" spc="0" normalizeH="0" baseline="0" noProof="0" dirty="0" smtClean="0">
+                <a:ln>
+                  <a:noFill/>
+                </a:ln>
+                <a:solidFill>
+                  <a:schemeClr val="tx1"/>
+                </a:solidFill>
+                <a:effectLst/>
+                <a:uLnTx/>
+                <a:uFillTx/>
+                <a:latin typeface="+mn-lt"/>
+                <a:ea typeface="+mn-ea"/>
+                <a:cs typeface="+mn-cs"/>
+              </a:rPr>
+              <a:t>Apakah </a:t>
+            </a:r>
+            <a:r>
+              <a:rPr kumimoji="0" lang="en-US" sz="2000" b="0" i="0" u="none" strike="noStrike" kern="1200" cap="none" spc="0" normalizeH="0" baseline="0" noProof="0" dirty="0" err="1" smtClean="0">
+                <a:ln>
+                  <a:noFill/>
+                </a:ln>
+                <a:solidFill>
+                  <a:schemeClr val="tx1"/>
+                </a:solidFill>
+                <a:effectLst/>
+                <a:uLnTx/>
+                <a:uFillTx/>
+                <a:latin typeface="+mn-lt"/>
+                <a:ea typeface="+mn-ea"/>
+                <a:cs typeface="+mn-cs"/>
+              </a:rPr>
+              <a:t>Perangkat</a:t>
+            </a:r>
+            <a:r>
+              <a:rPr kumimoji="0" lang="en-US" sz="2000" b="0" i="0" u="none" strike="noStrike" kern="1200" cap="none" spc="0" normalizeH="0" baseline="0" noProof="0" dirty="0" smtClean="0">
+                <a:ln>
+                  <a:noFill/>
+                </a:ln>
+                <a:solidFill>
+                  <a:schemeClr val="tx1"/>
+                </a:solidFill>
+                <a:effectLst/>
+                <a:uLnTx/>
+                <a:uFillTx/>
+                <a:latin typeface="+mn-lt"/>
+                <a:ea typeface="+mn-ea"/>
+                <a:cs typeface="+mn-cs"/>
+              </a:rPr>
               <a:t> </a:t>
             </a:r>
             <a:r>
-              <a:rPr lang="en-US" dirty="0" err="1"/>
-              <a:t>sistem</a:t>
-            </a:r>
-            <a:r>
-              <a:rPr lang="en-US" dirty="0"/>
+              <a:rPr kumimoji="0" lang="en-US" sz="2000" b="0" i="0" u="none" strike="noStrike" kern="1200" cap="none" spc="0" normalizeH="0" baseline="0" noProof="0" dirty="0" err="1" smtClean="0">
+                <a:ln>
+                  <a:noFill/>
+                </a:ln>
+                <a:solidFill>
+                  <a:schemeClr val="tx1"/>
+                </a:solidFill>
+                <a:effectLst/>
+                <a:uLnTx/>
+                <a:uFillTx/>
+                <a:latin typeface="+mn-lt"/>
+                <a:ea typeface="+mn-ea"/>
+                <a:cs typeface="+mn-cs"/>
+              </a:rPr>
+              <a:t>Lunak</a:t>
+            </a:r>
+            <a:r>
+              <a:rPr kumimoji="0" lang="en-US" sz="2000" b="0" i="0" u="none" strike="noStrike" kern="1200" cap="none" spc="0" normalizeH="0" baseline="0" noProof="0" dirty="0" smtClean="0">
+                <a:ln>
+                  <a:noFill/>
+                </a:ln>
+                <a:solidFill>
+                  <a:schemeClr val="tx1"/>
+                </a:solidFill>
+                <a:effectLst/>
+                <a:uLnTx/>
+                <a:uFillTx/>
+                <a:latin typeface="+mn-lt"/>
+                <a:ea typeface="+mn-ea"/>
+                <a:cs typeface="+mn-cs"/>
+              </a:rPr>
+              <a:t> yang </a:t>
+            </a:r>
+            <a:r>
+              <a:rPr kumimoji="0" lang="en-US" sz="2000" b="0" i="0" u="none" strike="noStrike" kern="1200" cap="none" spc="0" normalizeH="0" baseline="0" noProof="0" dirty="0" err="1" smtClean="0">
+                <a:ln>
+                  <a:noFill/>
+                </a:ln>
+                <a:solidFill>
+                  <a:schemeClr val="tx1"/>
+                </a:solidFill>
+                <a:effectLst/>
+                <a:uLnTx/>
+                <a:uFillTx/>
+                <a:latin typeface="+mn-lt"/>
+                <a:ea typeface="+mn-ea"/>
+                <a:cs typeface="+mn-cs"/>
+              </a:rPr>
+              <a:t>dibangun</a:t>
+            </a:r>
+            <a:r>
+              <a:rPr kumimoji="0" lang="en-US" sz="2000" b="0" i="0" u="none" strike="noStrike" kern="1200" cap="none" spc="0" normalizeH="0" baseline="0" noProof="0" dirty="0" smtClean="0">
+                <a:ln>
+                  <a:noFill/>
+                </a:ln>
+                <a:solidFill>
+                  <a:schemeClr val="tx1"/>
+                </a:solidFill>
+                <a:effectLst/>
+                <a:uLnTx/>
+                <a:uFillTx/>
+                <a:latin typeface="+mn-lt"/>
+                <a:ea typeface="+mn-ea"/>
+                <a:cs typeface="+mn-cs"/>
+              </a:rPr>
               <a:t> </a:t>
             </a:r>
             <a:r>
-              <a:rPr lang="en-US" dirty="0" err="1"/>
-              <a:t>surat-menyurat</a:t>
-            </a:r>
-            <a:r>
-              <a:rPr lang="en-US" dirty="0"/>
+              <a:rPr kumimoji="0" lang="en-US" sz="2000" b="0" i="0" u="none" strike="noStrike" kern="1200" cap="none" spc="0" normalizeH="0" baseline="0" noProof="0" dirty="0" err="1" smtClean="0">
+                <a:ln>
+                  <a:noFill/>
+                </a:ln>
+                <a:solidFill>
+                  <a:schemeClr val="tx1"/>
+                </a:solidFill>
+                <a:effectLst/>
+                <a:uLnTx/>
+                <a:uFillTx/>
+                <a:latin typeface="+mn-lt"/>
+                <a:ea typeface="+mn-ea"/>
+                <a:cs typeface="+mn-cs"/>
+              </a:rPr>
+              <a:t>dapat</a:t>
+            </a:r>
+            <a:r>
+              <a:rPr kumimoji="0" lang="id-ID" sz="2000" b="0" i="0" u="none" strike="noStrike" kern="1200" cap="none" spc="0" normalizeH="0" baseline="0" noProof="0" dirty="0" smtClean="0">
+                <a:ln>
+                  <a:noFill/>
+                </a:ln>
+                <a:solidFill>
+                  <a:schemeClr val="tx1"/>
+                </a:solidFill>
+                <a:effectLst/>
+                <a:uLnTx/>
+                <a:uFillTx/>
+                <a:latin typeface="+mn-lt"/>
+                <a:ea typeface="+mn-ea"/>
+                <a:cs typeface="+mn-cs"/>
+              </a:rPr>
+              <a:t> merekam data </a:t>
+            </a:r>
+            <a:r>
+              <a:rPr kumimoji="0" lang="en-US" sz="2000" b="0" i="0" u="none" strike="noStrike" kern="1200" cap="none" spc="0" normalizeH="0" baseline="0" noProof="0" dirty="0" smtClean="0">
+                <a:ln>
+                  <a:noFill/>
+                </a:ln>
+                <a:solidFill>
+                  <a:schemeClr val="tx1"/>
+                </a:solidFill>
+                <a:effectLst/>
+                <a:uLnTx/>
+                <a:uFillTx/>
+                <a:latin typeface="+mn-lt"/>
+                <a:ea typeface="+mn-ea"/>
+                <a:cs typeface="+mn-cs"/>
+              </a:rPr>
+              <a:t>S</a:t>
+            </a:r>
+            <a:r>
+              <a:rPr kumimoji="0" lang="id-ID" sz="2000" b="0" i="0" u="none" strike="noStrike" kern="1200" cap="none" spc="0" normalizeH="0" baseline="0" noProof="0" dirty="0" smtClean="0">
+                <a:ln>
+                  <a:noFill/>
+                </a:ln>
+                <a:solidFill>
+                  <a:schemeClr val="tx1"/>
+                </a:solidFill>
+                <a:effectLst/>
+                <a:uLnTx/>
+                <a:uFillTx/>
+                <a:latin typeface="+mn-lt"/>
+                <a:ea typeface="+mn-ea"/>
+                <a:cs typeface="+mn-cs"/>
+              </a:rPr>
+              <a:t>urat</a:t>
+            </a:r>
+            <a:r>
+              <a:rPr kumimoji="0" lang="en-US" sz="2000" b="0" i="0" u="none" strike="noStrike" kern="1200" cap="none" spc="0" normalizeH="0" baseline="0" noProof="0" dirty="0" smtClean="0">
+                <a:ln>
+                  <a:noFill/>
+                </a:ln>
+                <a:solidFill>
+                  <a:schemeClr val="tx1"/>
+                </a:solidFill>
+                <a:effectLst/>
+                <a:uLnTx/>
+                <a:uFillTx/>
+                <a:latin typeface="+mn-lt"/>
+                <a:ea typeface="+mn-ea"/>
+                <a:cs typeface="+mn-cs"/>
+              </a:rPr>
               <a:t> </a:t>
             </a:r>
             <a:r>
-              <a:rPr lang="en-US" dirty="0" err="1"/>
-              <a:t>di</a:t>
-            </a:r>
-            <a:r>
-              <a:rPr lang="en-US" dirty="0"/>
+              <a:rPr kumimoji="0" lang="en-US" sz="2000" b="0" i="0" u="none" strike="noStrike" kern="1200" cap="none" spc="0" normalizeH="0" baseline="0" noProof="0" dirty="0" err="1" smtClean="0">
+                <a:ln>
+                  <a:noFill/>
+                </a:ln>
+                <a:solidFill>
+                  <a:schemeClr val="tx1"/>
+                </a:solidFill>
+                <a:effectLst/>
+                <a:uLnTx/>
+                <a:uFillTx/>
+                <a:latin typeface="+mn-lt"/>
+                <a:ea typeface="+mn-ea"/>
+                <a:cs typeface="+mn-cs"/>
+              </a:rPr>
+              <a:t>Masuk</a:t>
+            </a:r>
+            <a:r>
+              <a:rPr kumimoji="0" lang="en-US" sz="2000" b="0" i="0" u="none" strike="noStrike" kern="1200" cap="none" spc="0" normalizeH="0" baseline="0" noProof="0" dirty="0" smtClean="0">
+                <a:ln>
+                  <a:noFill/>
+                </a:ln>
+                <a:solidFill>
+                  <a:schemeClr val="tx1"/>
+                </a:solidFill>
+                <a:effectLst/>
+                <a:uLnTx/>
+                <a:uFillTx/>
+                <a:latin typeface="+mn-lt"/>
+                <a:ea typeface="+mn-ea"/>
+                <a:cs typeface="+mn-cs"/>
+              </a:rPr>
               <a:t> </a:t>
             </a:r>
             <a:r>
-              <a:rPr lang="en-US" dirty="0" err="1"/>
-              <a:t>Badan</a:t>
-            </a:r>
-            <a:r>
-              <a:rPr lang="en-US" dirty="0"/>
+              <a:rPr kumimoji="0" lang="en-US" sz="2000" b="0" i="0" u="none" strike="noStrike" kern="1200" cap="none" spc="0" normalizeH="0" baseline="0" noProof="0" dirty="0" err="1" smtClean="0">
+                <a:ln>
+                  <a:noFill/>
+                </a:ln>
+                <a:solidFill>
+                  <a:schemeClr val="tx1"/>
+                </a:solidFill>
+                <a:effectLst/>
+                <a:uLnTx/>
+                <a:uFillTx/>
+                <a:latin typeface="+mn-lt"/>
+                <a:ea typeface="+mn-ea"/>
+                <a:cs typeface="+mn-cs"/>
+              </a:rPr>
+              <a:t>dan</a:t>
+            </a:r>
+            <a:r>
+              <a:rPr kumimoji="0" lang="en-US" sz="2000" b="0" i="0" u="none" strike="noStrike" kern="1200" cap="none" spc="0" normalizeH="0" baseline="0" noProof="0" dirty="0" smtClean="0">
+                <a:ln>
+                  <a:noFill/>
+                </a:ln>
+                <a:solidFill>
+                  <a:schemeClr val="tx1"/>
+                </a:solidFill>
+                <a:effectLst/>
+                <a:uLnTx/>
+                <a:uFillTx/>
+                <a:latin typeface="+mn-lt"/>
+                <a:ea typeface="+mn-ea"/>
+                <a:cs typeface="+mn-cs"/>
+              </a:rPr>
               <a:t> </a:t>
             </a:r>
             <a:r>
-              <a:rPr lang="en-US" dirty="0" err="1"/>
-              <a:t>Pendapatan</a:t>
-            </a:r>
-            <a:r>
-              <a:rPr lang="en-US" dirty="0"/>
-              <a:t> Daerah </a:t>
-            </a:r>
-            <a:r>
-              <a:rPr lang="en-US" dirty="0" err="1"/>
-              <a:t>Kabupaten</a:t>
-            </a:r>
-            <a:r>
-              <a:rPr lang="en-US" dirty="0"/>
-              <a:t> </a:t>
-            </a:r>
-            <a:r>
-              <a:rPr lang="en-US" dirty="0" err="1"/>
-              <a:t>Tabalong</a:t>
-            </a:r>
-            <a:r>
-              <a:rPr lang="en-US" dirty="0"/>
-              <a:t>.</a:t>
-            </a:r>
+              <a:rPr kumimoji="0" lang="en-US" sz="2000" b="0" i="0" u="none" strike="noStrike" kern="1200" cap="none" spc="0" normalizeH="0" baseline="0" noProof="0" dirty="0" err="1" smtClean="0">
+                <a:ln>
+                  <a:noFill/>
+                </a:ln>
+                <a:solidFill>
+                  <a:schemeClr val="tx1"/>
+                </a:solidFill>
+                <a:effectLst/>
+                <a:uLnTx/>
+                <a:uFillTx/>
+                <a:latin typeface="+mn-lt"/>
+                <a:ea typeface="+mn-ea"/>
+                <a:cs typeface="+mn-cs"/>
+              </a:rPr>
+              <a:t>Keluar</a:t>
+            </a:r>
+            <a:r>
+              <a:rPr kumimoji="0" lang="id-ID" sz="2000" b="0" i="0" u="none" strike="noStrike" kern="1200" cap="none" spc="0" normalizeH="0" baseline="0" noProof="0" dirty="0" smtClean="0">
+                <a:ln>
+                  <a:noFill/>
+                </a:ln>
+                <a:solidFill>
+                  <a:schemeClr val="tx1"/>
+                </a:solidFill>
+                <a:effectLst/>
+                <a:uLnTx/>
+                <a:uFillTx/>
+                <a:latin typeface="+mn-lt"/>
+                <a:ea typeface="+mn-ea"/>
+                <a:cs typeface="+mn-cs"/>
+              </a:rPr>
+              <a:t>?</a:t>
+            </a:r>
+            <a:endParaRPr kumimoji="0" lang="en-US" sz="2000" b="0" i="0" u="none" strike="noStrike" kern="1200" cap="none" spc="0" normalizeH="0" baseline="0" noProof="0" dirty="0" smtClean="0">
+              <a:ln>
+                <a:noFill/>
+              </a:ln>
+              <a:solidFill>
+                <a:schemeClr val="tx1"/>
+              </a:solidFill>
+              <a:effectLst/>
+              <a:uLnTx/>
+              <a:uFillTx/>
+              <a:latin typeface="+mn-lt"/>
+              <a:ea typeface="+mn-ea"/>
+              <a:cs typeface="+mn-cs"/>
+            </a:endParaRPr>
           </a:p>
         </p:txBody>
       </p:sp>
@@ -4740,7 +5793,37 @@
       </p:grpSpPr>
       <p:sp>
         <p:nvSpPr>
-          <p:cNvPr id="2" name="Title 1"/>
+          <p:cNvPr id="28676" name="AutoShape 4" descr="https://www.kibrispdr.org/data/265/gambar-animasi-surat-58.jpg"/>
+          <p:cNvSpPr>
+            <a:spLocks noChangeAspect="1" noChangeArrowheads="1"/>
+          </p:cNvSpPr>
+          <p:nvPr/>
+        </p:nvSpPr>
+        <p:spPr bwMode="auto">
+          <a:xfrm>
+            <a:off x="63500" y="-136525"/>
+            <a:ext cx="8877300" cy="5972175"/>
+          </a:xfrm>
+          <a:prstGeom prst="rect">
+            <a:avLst/>
+          </a:prstGeom>
+          <a:noFill/>
+        </p:spPr>
+        <p:txBody>
+          <a:bodyPr vert="horz" wrap="square" lIns="91440" tIns="45720" rIns="91440" bIns="45720" numCol="1" anchor="t" anchorCtr="0" compatLnSpc="1">
+            <a:prstTxWarp prst="textNoShape">
+              <a:avLst/>
+            </a:prstTxWarp>
+          </a:bodyPr>
+          <a:lstStyle/>
+          <a:p>
+            <a:endParaRPr lang="en-US"/>
+          </a:p>
+        </p:txBody>
+      </p:sp>
+      <p:sp>
+        <p:nvSpPr>
+          <p:cNvPr id="12" name="Title 11"/>
           <p:cNvSpPr>
             <a:spLocks noGrp="1"/>
           </p:cNvSpPr>
@@ -4755,7 +5838,7 @@
           <a:p>
             <a:r>
               <a:rPr lang="en-US" dirty="0" err="1" smtClean="0"/>
-              <a:t>Rumusan</a:t>
+              <a:t>Tujuan</a:t>
             </a:r>
             <a:r>
               <a:rPr lang="en-US" dirty="0" smtClean="0"/>
@@ -4763,7 +5846,7 @@
             </a:r>
             <a:r>
               <a:rPr lang="en-US" dirty="0" err="1" smtClean="0"/>
-              <a:t>Masalah</a:t>
+              <a:t>Penlitian</a:t>
             </a:r>
             <a:endParaRPr lang="en-US" dirty="0"/>
           </a:p>
@@ -4771,7 +5854,7 @@
       </p:sp>
       <p:sp>
         <p:nvSpPr>
-          <p:cNvPr id="3" name="Content Placeholder 2"/>
+          <p:cNvPr id="13" name="Content Placeholder 12"/>
           <p:cNvSpPr>
             <a:spLocks noGrp="1"/>
           </p:cNvSpPr>
@@ -4779,511 +5862,60 @@
             <p:ph idx="1"/>
           </p:nvPr>
         </p:nvSpPr>
-        <p:spPr/>
+        <p:spPr>
+          <a:xfrm>
+            <a:off x="5286380" y="1285866"/>
+            <a:ext cx="5357850" cy="3157550"/>
+          </a:xfrm>
+        </p:spPr>
         <p:txBody>
           <a:bodyPr>
-            <a:normAutofit lnSpcReduction="10000"/>
+            <a:normAutofit/>
           </a:bodyPr>
           <a:lstStyle/>
           <a:p>
             <a:pPr lvl="0"/>
-            <a:r>
-              <a:rPr lang="id-ID" dirty="0"/>
-              <a:t>Apakah </a:t>
-            </a:r>
-            <a:r>
-              <a:rPr lang="en-US" dirty="0" err="1"/>
-              <a:t>Perangkat</a:t>
-            </a:r>
-            <a:r>
-              <a:rPr lang="en-US" dirty="0"/>
-              <a:t> </a:t>
-            </a:r>
-            <a:r>
-              <a:rPr lang="en-US" dirty="0" err="1"/>
-              <a:t>Lunak</a:t>
-            </a:r>
-            <a:r>
-              <a:rPr lang="en-US" dirty="0"/>
-              <a:t> yang </a:t>
-            </a:r>
-            <a:r>
-              <a:rPr lang="en-US" dirty="0" err="1"/>
-              <a:t>dibangun</a:t>
-            </a:r>
-            <a:r>
-              <a:rPr lang="en-US" dirty="0"/>
-              <a:t> </a:t>
-            </a:r>
-            <a:r>
-              <a:rPr lang="en-US" dirty="0" err="1"/>
-              <a:t>dapat</a:t>
-            </a:r>
-            <a:r>
-              <a:rPr lang="id-ID" dirty="0"/>
-              <a:t> merekam data </a:t>
-            </a:r>
-            <a:r>
-              <a:rPr lang="en-US" dirty="0"/>
-              <a:t>S</a:t>
-            </a:r>
-            <a:r>
-              <a:rPr lang="id-ID" dirty="0"/>
-              <a:t>urat</a:t>
-            </a:r>
-            <a:r>
-              <a:rPr lang="en-US" dirty="0"/>
-              <a:t> </a:t>
-            </a:r>
-            <a:r>
-              <a:rPr lang="en-US" dirty="0" err="1"/>
-              <a:t>Masuk</a:t>
-            </a:r>
-            <a:r>
-              <a:rPr lang="en-US" dirty="0"/>
-              <a:t> </a:t>
-            </a:r>
-            <a:r>
-              <a:rPr lang="en-US" dirty="0" err="1"/>
-              <a:t>dan</a:t>
-            </a:r>
-            <a:r>
-              <a:rPr lang="en-US" dirty="0"/>
-              <a:t> </a:t>
-            </a:r>
-            <a:r>
-              <a:rPr lang="en-US" dirty="0" err="1"/>
-              <a:t>Keluar</a:t>
-            </a:r>
-            <a:r>
-              <a:rPr lang="id-ID" dirty="0"/>
-              <a:t>?</a:t>
-            </a:r>
-            <a:endParaRPr lang="en-US" dirty="0"/>
-          </a:p>
-          <a:p>
-            <a:pPr lvl="0"/>
-            <a:r>
-              <a:rPr lang="id-ID" dirty="0"/>
-              <a:t>Apakah </a:t>
-            </a:r>
-            <a:r>
-              <a:rPr lang="en-US" dirty="0" err="1"/>
-              <a:t>Perangkat</a:t>
-            </a:r>
-            <a:r>
-              <a:rPr lang="en-US" dirty="0"/>
-              <a:t> </a:t>
-            </a:r>
-            <a:r>
-              <a:rPr lang="en-US" dirty="0" err="1"/>
-              <a:t>Lunak</a:t>
-            </a:r>
-            <a:r>
-              <a:rPr lang="en-US" dirty="0"/>
-              <a:t> yang </a:t>
-            </a:r>
-            <a:r>
-              <a:rPr lang="en-US" dirty="0" err="1"/>
-              <a:t>dibangun</a:t>
-            </a:r>
-            <a:r>
-              <a:rPr lang="en-US" dirty="0"/>
-              <a:t> </a:t>
-            </a:r>
-            <a:r>
-              <a:rPr lang="en-US" dirty="0" err="1"/>
-              <a:t>dapat</a:t>
-            </a:r>
-            <a:r>
-              <a:rPr lang="en-US" dirty="0"/>
-              <a:t> </a:t>
-            </a:r>
-            <a:r>
-              <a:rPr lang="id-ID" dirty="0"/>
-              <a:t>mencari data </a:t>
-            </a:r>
-            <a:r>
-              <a:rPr lang="en-US" dirty="0" err="1"/>
-              <a:t>Surat</a:t>
-            </a:r>
-            <a:r>
-              <a:rPr lang="en-US" dirty="0"/>
-              <a:t> </a:t>
-            </a:r>
-            <a:r>
-              <a:rPr lang="en-US" dirty="0" err="1"/>
-              <a:t>Masuk</a:t>
-            </a:r>
-            <a:r>
-              <a:rPr lang="en-US" dirty="0"/>
-              <a:t> </a:t>
-            </a:r>
-            <a:r>
-              <a:rPr lang="en-US" dirty="0" err="1"/>
-              <a:t>dan</a:t>
-            </a:r>
-            <a:r>
-              <a:rPr lang="en-US" dirty="0"/>
-              <a:t> </a:t>
-            </a:r>
-            <a:r>
-              <a:rPr lang="en-US" dirty="0" err="1"/>
-              <a:t>Keluar</a:t>
-            </a:r>
-            <a:r>
-              <a:rPr lang="id-ID" dirty="0"/>
-              <a:t>?</a:t>
-            </a:r>
-            <a:endParaRPr lang="en-US" dirty="0"/>
-          </a:p>
-          <a:p>
-            <a:pPr lvl="0"/>
-            <a:r>
-              <a:rPr lang="id-ID" dirty="0"/>
-              <a:t>Apakah </a:t>
-            </a:r>
-            <a:r>
-              <a:rPr lang="en-US" dirty="0" err="1"/>
-              <a:t>Perangkat</a:t>
-            </a:r>
-            <a:r>
-              <a:rPr lang="en-US" dirty="0"/>
-              <a:t> </a:t>
-            </a:r>
-            <a:r>
-              <a:rPr lang="en-US" dirty="0" err="1"/>
-              <a:t>Lunak</a:t>
-            </a:r>
-            <a:r>
-              <a:rPr lang="en-US" dirty="0"/>
-              <a:t> yang </a:t>
-            </a:r>
-            <a:r>
-              <a:rPr lang="en-US" dirty="0" err="1"/>
-              <a:t>dibangun</a:t>
-            </a:r>
-            <a:r>
-              <a:rPr lang="en-US" dirty="0"/>
-              <a:t> </a:t>
-            </a:r>
-            <a:r>
-              <a:rPr lang="en-US" dirty="0" err="1"/>
-              <a:t>dapat</a:t>
-            </a:r>
-            <a:r>
-              <a:rPr lang="id-ID" dirty="0"/>
-              <a:t> mencetak </a:t>
-            </a:r>
-            <a:r>
-              <a:rPr lang="en-US" dirty="0"/>
-              <a:t>L</a:t>
-            </a:r>
-            <a:r>
-              <a:rPr lang="id-ID" dirty="0"/>
-              <a:t>embar</a:t>
-            </a:r>
-            <a:r>
-              <a:rPr lang="en-US" dirty="0"/>
-              <a:t> yang D</a:t>
-            </a:r>
-            <a:r>
-              <a:rPr lang="id-ID" dirty="0"/>
-              <a:t>isposisi </a:t>
-            </a:r>
-            <a:r>
-              <a:rPr lang="en-US" dirty="0" err="1"/>
-              <a:t>oleh</a:t>
-            </a:r>
-            <a:r>
-              <a:rPr lang="en-US" dirty="0"/>
-              <a:t> </a:t>
-            </a:r>
-            <a:r>
-              <a:rPr lang="en-US" dirty="0" err="1"/>
-              <a:t>Pimpinan</a:t>
-            </a:r>
-            <a:r>
-              <a:rPr lang="id-ID" dirty="0"/>
-              <a:t>?</a:t>
-            </a:r>
-            <a:endParaRPr lang="en-US" dirty="0"/>
-          </a:p>
-        </p:txBody>
-      </p:sp>
-    </p:spTree>
-  </p:cSld>
-  <p:clrMapOvr>
-    <a:masterClrMapping/>
-  </p:clrMapOvr>
-  <p:timing>
-    <p:tnLst>
-      <p:par>
-        <p:cTn id="1" dur="indefinite" restart="never" nodeType="tmRoot"/>
-      </p:par>
-    </p:tnLst>
-  </p:timing>
-</p:sld>
-</file>
-
-<file path=ppt/slides/slide7.xml><?xml version="1.0" encoding="utf-8"?>
-<p:sld xmlns:a="http://schemas.openxmlformats.org/drawingml/2006/main" xmlns:r="http://schemas.openxmlformats.org/officeDocument/2006/relationships" xmlns:p="http://schemas.openxmlformats.org/presentationml/2006/main">
-  <p:cSld>
-    <p:spTree>
-      <p:nvGrpSpPr>
-        <p:cNvPr id="1" name=""/>
-        <p:cNvGrpSpPr/>
-        <p:nvPr/>
-      </p:nvGrpSpPr>
-      <p:grpSpPr>
-        <a:xfrm>
-          <a:off x="0" y="0"/>
-          <a:ext cx="0" cy="0"/>
-          <a:chOff x="0" y="0"/>
-          <a:chExt cx="0" cy="0"/>
-        </a:xfrm>
-      </p:grpSpPr>
-      <p:sp>
-        <p:nvSpPr>
-          <p:cNvPr id="2" name="Title 1"/>
-          <p:cNvSpPr>
-            <a:spLocks noGrp="1"/>
-          </p:cNvSpPr>
-          <p:nvPr>
-            <p:ph type="title"/>
-          </p:nvPr>
-        </p:nvSpPr>
-        <p:spPr/>
-        <p:txBody>
-          <a:bodyPr/>
-          <a:lstStyle/>
-          <a:p>
-            <a:r>
-              <a:rPr lang="en-US" dirty="0" err="1" smtClean="0"/>
-              <a:t>Merekam</a:t>
-            </a:r>
-            <a:r>
-              <a:rPr lang="en-US" dirty="0" smtClean="0"/>
-              <a:t> data </a:t>
-            </a:r>
-            <a:r>
-              <a:rPr lang="en-US" dirty="0" err="1" smtClean="0"/>
-              <a:t>Surat</a:t>
-            </a:r>
-            <a:r>
-              <a:rPr lang="en-US" dirty="0" smtClean="0"/>
-              <a:t> </a:t>
-            </a:r>
-            <a:r>
-              <a:rPr lang="en-US" dirty="0" err="1" smtClean="0"/>
-              <a:t>Masuk</a:t>
-            </a:r>
-            <a:endParaRPr lang="en-US" dirty="0"/>
-          </a:p>
-        </p:txBody>
-      </p:sp>
-      <p:sp>
-        <p:nvSpPr>
-          <p:cNvPr id="3" name="Content Placeholder 2"/>
-          <p:cNvSpPr>
-            <a:spLocks noGrp="1"/>
-          </p:cNvSpPr>
-          <p:nvPr>
-            <p:ph idx="1"/>
-          </p:nvPr>
-        </p:nvSpPr>
-        <p:spPr/>
-        <p:txBody>
-          <a:bodyPr/>
-          <a:lstStyle/>
-          <a:p>
-            <a:pPr lvl="1"/>
-            <a:endParaRPr lang="en-US" dirty="0"/>
-          </a:p>
-        </p:txBody>
-      </p:sp>
-    </p:spTree>
-  </p:cSld>
-  <p:clrMapOvr>
-    <a:masterClrMapping/>
-  </p:clrMapOvr>
-  <p:timing>
-    <p:tnLst>
-      <p:par>
-        <p:cTn id="1" dur="indefinite" restart="never" nodeType="tmRoot"/>
-      </p:par>
-    </p:tnLst>
-  </p:timing>
-</p:sld>
-</file>
-
-<file path=ppt/slides/slide8.xml><?xml version="1.0" encoding="utf-8"?>
-<p:sld xmlns:a="http://schemas.openxmlformats.org/drawingml/2006/main" xmlns:r="http://schemas.openxmlformats.org/officeDocument/2006/relationships" xmlns:p="http://schemas.openxmlformats.org/presentationml/2006/main">
-  <p:cSld>
-    <p:spTree>
-      <p:nvGrpSpPr>
-        <p:cNvPr id="1" name=""/>
-        <p:cNvGrpSpPr/>
-        <p:nvPr/>
-      </p:nvGrpSpPr>
-      <p:grpSpPr>
-        <a:xfrm>
-          <a:off x="0" y="0"/>
-          <a:ext cx="0" cy="0"/>
-          <a:chOff x="0" y="0"/>
-          <a:chExt cx="0" cy="0"/>
-        </a:xfrm>
-      </p:grpSpPr>
-      <p:sp>
-        <p:nvSpPr>
-          <p:cNvPr id="2" name="Title 1"/>
-          <p:cNvSpPr>
-            <a:spLocks noGrp="1"/>
-          </p:cNvSpPr>
-          <p:nvPr>
-            <p:ph type="title"/>
-          </p:nvPr>
-        </p:nvSpPr>
-        <p:spPr/>
-        <p:txBody>
-          <a:bodyPr/>
-          <a:lstStyle/>
-          <a:p>
-            <a:r>
-              <a:rPr lang="en-US" dirty="0" err="1" smtClean="0"/>
-              <a:t>Merekam</a:t>
-            </a:r>
-            <a:r>
-              <a:rPr lang="en-US" dirty="0" smtClean="0"/>
-              <a:t> data </a:t>
-            </a:r>
-            <a:r>
-              <a:rPr lang="en-US" dirty="0" err="1" smtClean="0"/>
-              <a:t>Surat</a:t>
-            </a:r>
-            <a:r>
-              <a:rPr lang="en-US" dirty="0" smtClean="0"/>
-              <a:t> </a:t>
-            </a:r>
-            <a:r>
-              <a:rPr lang="en-US" dirty="0" err="1" smtClean="0"/>
-              <a:t>keluar</a:t>
-            </a:r>
-            <a:endParaRPr lang="en-US" dirty="0"/>
-          </a:p>
-        </p:txBody>
-      </p:sp>
-      <p:sp>
-        <p:nvSpPr>
-          <p:cNvPr id="3" name="Content Placeholder 2"/>
-          <p:cNvSpPr>
-            <a:spLocks noGrp="1"/>
-          </p:cNvSpPr>
-          <p:nvPr>
-            <p:ph idx="1"/>
-          </p:nvPr>
-        </p:nvSpPr>
-        <p:spPr/>
-        <p:txBody>
-          <a:bodyPr/>
-          <a:lstStyle/>
-          <a:p>
-            <a:pPr lvl="1"/>
-            <a:endParaRPr lang="en-US" dirty="0"/>
-          </a:p>
-        </p:txBody>
-      </p:sp>
-    </p:spTree>
-  </p:cSld>
-  <p:clrMapOvr>
-    <a:masterClrMapping/>
-  </p:clrMapOvr>
-  <p:timing>
-    <p:tnLst>
-      <p:par>
-        <p:cTn id="1" dur="indefinite" restart="never" nodeType="tmRoot"/>
-      </p:par>
-    </p:tnLst>
-  </p:timing>
-</p:sld>
-</file>
-
-<file path=ppt/slides/slide9.xml><?xml version="1.0" encoding="utf-8"?>
-<p:sld xmlns:a="http://schemas.openxmlformats.org/drawingml/2006/main" xmlns:r="http://schemas.openxmlformats.org/officeDocument/2006/relationships" xmlns:p="http://schemas.openxmlformats.org/presentationml/2006/main">
-  <p:cSld>
-    <p:spTree>
-      <p:nvGrpSpPr>
-        <p:cNvPr id="1" name=""/>
-        <p:cNvGrpSpPr/>
-        <p:nvPr/>
-      </p:nvGrpSpPr>
-      <p:grpSpPr>
-        <a:xfrm>
-          <a:off x="0" y="0"/>
-          <a:ext cx="0" cy="0"/>
-          <a:chOff x="0" y="0"/>
-          <a:chExt cx="0" cy="0"/>
-        </a:xfrm>
-      </p:grpSpPr>
-      <p:sp>
-        <p:nvSpPr>
-          <p:cNvPr id="2" name="Title 1"/>
-          <p:cNvSpPr>
-            <a:spLocks noGrp="1"/>
-          </p:cNvSpPr>
-          <p:nvPr>
-            <p:ph type="title"/>
-          </p:nvPr>
-        </p:nvSpPr>
-        <p:spPr/>
-        <p:txBody>
-          <a:bodyPr/>
-          <a:lstStyle/>
-          <a:p>
-            <a:r>
-              <a:rPr lang="en-US" dirty="0" err="1" smtClean="0"/>
-              <a:t>Mencari</a:t>
-            </a:r>
-            <a:r>
-              <a:rPr lang="en-US" dirty="0" smtClean="0"/>
-              <a:t> data </a:t>
-            </a:r>
-            <a:r>
-              <a:rPr lang="en-US" dirty="0" err="1" smtClean="0"/>
-              <a:t>Surat</a:t>
-            </a:r>
-            <a:r>
-              <a:rPr lang="en-US" dirty="0" smtClean="0"/>
-              <a:t> </a:t>
-            </a:r>
-            <a:r>
-              <a:rPr lang="en-US" dirty="0" err="1" smtClean="0"/>
-              <a:t>Masuk</a:t>
-            </a:r>
-            <a:endParaRPr lang="en-US" dirty="0"/>
-          </a:p>
-        </p:txBody>
-      </p:sp>
-      <p:sp>
-        <p:nvSpPr>
-          <p:cNvPr id="3" name="Content Placeholder 2"/>
-          <p:cNvSpPr>
-            <a:spLocks noGrp="1"/>
-          </p:cNvSpPr>
-          <p:nvPr>
-            <p:ph idx="1"/>
-          </p:nvPr>
-        </p:nvSpPr>
-        <p:spPr/>
-        <p:txBody>
-          <a:bodyPr/>
-          <a:lstStyle/>
-          <a:p>
-            <a:pPr lvl="1"/>
-            <a:endParaRPr lang="en-US" dirty="0"/>
-          </a:p>
-        </p:txBody>
-      </p:sp>
+            <a:endParaRPr lang="en-US" dirty="0" smtClean="0"/>
+          </a:p>
+        </p:txBody>
+      </p:sp>
+      <p:pic>
+        <p:nvPicPr>
+          <p:cNvPr id="29698" name="Picture 2" descr="https://sipas.id/wp-content/uploads/2020/09/T16-Persuratan-di-Lingkungan-Internal-Perusahaan-768x516.png"/>
+          <p:cNvPicPr>
+            <a:picLocks noChangeAspect="1" noChangeArrowheads="1"/>
+          </p:cNvPicPr>
+          <p:nvPr/>
+        </p:nvPicPr>
+        <p:blipFill>
+          <a:blip r:embed="rId2">
+            <a:clrChange>
+              <a:clrFrom>
+                <a:srgbClr val="FFFFFF"/>
+              </a:clrFrom>
+              <a:clrTo>
+                <a:srgbClr val="FFFFFF">
+                  <a:alpha val="0"/>
+                </a:srgbClr>
+              </a:clrTo>
+            </a:clrChange>
+          </a:blip>
+          <a:srcRect/>
+          <a:stretch>
+            <a:fillRect/>
+          </a:stretch>
+        </p:blipFill>
+        <p:spPr bwMode="auto">
+          <a:xfrm>
+            <a:off x="-571536" y="2000246"/>
+            <a:ext cx="4572031" cy="3071834"/>
+          </a:xfrm>
+          <a:prstGeom prst="rect">
+            <a:avLst/>
+          </a:prstGeom>
+          <a:noFill/>
+        </p:spPr>
+      </p:pic>
     </p:spTree>
   </p:cSld>
   <p:clrMapOvr>
